--- a/docs/images/Simple Interest/simple.pptx
+++ b/docs/images/Simple Interest/simple.pptx
@@ -8,20 +8,23 @@
     <p:sldId id="256" r:id="rId2"/>
     <p:sldId id="257" r:id="rId3"/>
     <p:sldId id="258" r:id="rId4"/>
-    <p:sldId id="260" r:id="rId5"/>
-    <p:sldId id="259" r:id="rId6"/>
-    <p:sldId id="261" r:id="rId7"/>
-    <p:sldId id="262" r:id="rId8"/>
-    <p:sldId id="263" r:id="rId9"/>
-    <p:sldId id="264" r:id="rId10"/>
-    <p:sldId id="265" r:id="rId11"/>
-    <p:sldId id="266" r:id="rId12"/>
-    <p:sldId id="267" r:id="rId13"/>
-    <p:sldId id="268" r:id="rId14"/>
-    <p:sldId id="269" r:id="rId15"/>
-    <p:sldId id="270" r:id="rId16"/>
-    <p:sldId id="271" r:id="rId17"/>
-    <p:sldId id="272" r:id="rId18"/>
+    <p:sldId id="273" r:id="rId5"/>
+    <p:sldId id="274" r:id="rId6"/>
+    <p:sldId id="275" r:id="rId7"/>
+    <p:sldId id="260" r:id="rId8"/>
+    <p:sldId id="259" r:id="rId9"/>
+    <p:sldId id="261" r:id="rId10"/>
+    <p:sldId id="262" r:id="rId11"/>
+    <p:sldId id="263" r:id="rId12"/>
+    <p:sldId id="264" r:id="rId13"/>
+    <p:sldId id="265" r:id="rId14"/>
+    <p:sldId id="266" r:id="rId15"/>
+    <p:sldId id="267" r:id="rId16"/>
+    <p:sldId id="268" r:id="rId17"/>
+    <p:sldId id="269" r:id="rId18"/>
+    <p:sldId id="270" r:id="rId19"/>
+    <p:sldId id="271" r:id="rId20"/>
+    <p:sldId id="272" r:id="rId21"/>
   </p:sldIdLst>
   <p:sldSz cx="12192000" cy="6858000"/>
   <p:notesSz cx="6858000" cy="9144000"/>
@@ -120,6 +123,11 @@
       </a:defRPr>
     </a:lvl9pPr>
   </p:defaultTextStyle>
+  <p:extLst>
+    <p:ext uri="{EFAFB233-063F-42B5-8137-9DF3F51BA10A}">
+      <p15:sldGuideLst xmlns:p15="http://schemas.microsoft.com/office/powerpoint/2012/main"/>
+    </p:ext>
+  </p:extLst>
 </p:presentation>
 </file>
 
@@ -272,7 +280,7 @@
           <a:p>
             <a:fld id="{23B69575-F627-4732-B9D8-8CC43056D32E}" type="datetimeFigureOut">
               <a:rPr lang="en-MY" smtClean="0"/>
-              <a:t>8/4/2020</a:t>
+              <a:t>20/10/2021</a:t>
             </a:fld>
             <a:endParaRPr lang="en-MY"/>
           </a:p>
@@ -472,7 +480,7 @@
           <a:p>
             <a:fld id="{23B69575-F627-4732-B9D8-8CC43056D32E}" type="datetimeFigureOut">
               <a:rPr lang="en-MY" smtClean="0"/>
-              <a:t>8/4/2020</a:t>
+              <a:t>20/10/2021</a:t>
             </a:fld>
             <a:endParaRPr lang="en-MY"/>
           </a:p>
@@ -682,7 +690,7 @@
           <a:p>
             <a:fld id="{23B69575-F627-4732-B9D8-8CC43056D32E}" type="datetimeFigureOut">
               <a:rPr lang="en-MY" smtClean="0"/>
-              <a:t>8/4/2020</a:t>
+              <a:t>20/10/2021</a:t>
             </a:fld>
             <a:endParaRPr lang="en-MY"/>
           </a:p>
@@ -882,7 +890,7 @@
           <a:p>
             <a:fld id="{23B69575-F627-4732-B9D8-8CC43056D32E}" type="datetimeFigureOut">
               <a:rPr lang="en-MY" smtClean="0"/>
-              <a:t>8/4/2020</a:t>
+              <a:t>20/10/2021</a:t>
             </a:fld>
             <a:endParaRPr lang="en-MY"/>
           </a:p>
@@ -1158,7 +1166,7 @@
           <a:p>
             <a:fld id="{23B69575-F627-4732-B9D8-8CC43056D32E}" type="datetimeFigureOut">
               <a:rPr lang="en-MY" smtClean="0"/>
-              <a:t>8/4/2020</a:t>
+              <a:t>20/10/2021</a:t>
             </a:fld>
             <a:endParaRPr lang="en-MY"/>
           </a:p>
@@ -1426,7 +1434,7 @@
           <a:p>
             <a:fld id="{23B69575-F627-4732-B9D8-8CC43056D32E}" type="datetimeFigureOut">
               <a:rPr lang="en-MY" smtClean="0"/>
-              <a:t>8/4/2020</a:t>
+              <a:t>20/10/2021</a:t>
             </a:fld>
             <a:endParaRPr lang="en-MY"/>
           </a:p>
@@ -1841,7 +1849,7 @@
           <a:p>
             <a:fld id="{23B69575-F627-4732-B9D8-8CC43056D32E}" type="datetimeFigureOut">
               <a:rPr lang="en-MY" smtClean="0"/>
-              <a:t>8/4/2020</a:t>
+              <a:t>20/10/2021</a:t>
             </a:fld>
             <a:endParaRPr lang="en-MY"/>
           </a:p>
@@ -1983,7 +1991,7 @@
           <a:p>
             <a:fld id="{23B69575-F627-4732-B9D8-8CC43056D32E}" type="datetimeFigureOut">
               <a:rPr lang="en-MY" smtClean="0"/>
-              <a:t>8/4/2020</a:t>
+              <a:t>20/10/2021</a:t>
             </a:fld>
             <a:endParaRPr lang="en-MY"/>
           </a:p>
@@ -2096,7 +2104,7 @@
           <a:p>
             <a:fld id="{23B69575-F627-4732-B9D8-8CC43056D32E}" type="datetimeFigureOut">
               <a:rPr lang="en-MY" smtClean="0"/>
-              <a:t>8/4/2020</a:t>
+              <a:t>20/10/2021</a:t>
             </a:fld>
             <a:endParaRPr lang="en-MY"/>
           </a:p>
@@ -2409,7 +2417,7 @@
           <a:p>
             <a:fld id="{23B69575-F627-4732-B9D8-8CC43056D32E}" type="datetimeFigureOut">
               <a:rPr lang="en-MY" smtClean="0"/>
-              <a:t>8/4/2020</a:t>
+              <a:t>20/10/2021</a:t>
             </a:fld>
             <a:endParaRPr lang="en-MY"/>
           </a:p>
@@ -2698,7 +2706,7 @@
           <a:p>
             <a:fld id="{23B69575-F627-4732-B9D8-8CC43056D32E}" type="datetimeFigureOut">
               <a:rPr lang="en-MY" smtClean="0"/>
-              <a:t>8/4/2020</a:t>
+              <a:t>20/10/2021</a:t>
             </a:fld>
             <a:endParaRPr lang="en-MY"/>
           </a:p>
@@ -2941,7 +2949,7 @@
           <a:p>
             <a:fld id="{23B69575-F627-4732-B9D8-8CC43056D32E}" type="datetimeFigureOut">
               <a:rPr lang="en-MY" smtClean="0"/>
-              <a:t>8/4/2020</a:t>
+              <a:t>20/10/2021</a:t>
             </a:fld>
             <a:endParaRPr lang="en-MY"/>
           </a:p>
@@ -3479,7 +3487,7 @@
           <p:cNvPr id="3" name="Picture 2" descr="A screenshot of a cell phone&#10;&#10;Description automatically generated">
             <a:extLst>
               <a:ext uri="{FF2B5EF4-FFF2-40B4-BE49-F238E27FC236}">
-                <a16:creationId xmlns:a16="http://schemas.microsoft.com/office/drawing/2014/main" id="{C09376FC-2C38-4565-BE66-CFB62E956A28}"/>
+                <a16:creationId xmlns:a16="http://schemas.microsoft.com/office/drawing/2014/main" id="{8D1603E2-2AFA-421B-95DD-E7D3D9202137}"/>
               </a:ext>
             </a:extLst>
           </p:cNvPr>
@@ -3513,7 +3521,7 @@
     </p:spTree>
     <p:extLst>
       <p:ext uri="{BB962C8B-B14F-4D97-AF65-F5344CB8AC3E}">
-        <p14:creationId xmlns:p14="http://schemas.microsoft.com/office/powerpoint/2010/main" val="675536260"/>
+        <p14:creationId xmlns:p14="http://schemas.microsoft.com/office/powerpoint/2010/main" val="351387960"/>
       </p:ext>
     </p:extLst>
   </p:cSld>
@@ -3545,7 +3553,7 @@
           <p:cNvPr id="3" name="Picture 2" descr="A screenshot of a cell phone&#10;&#10;Description automatically generated">
             <a:extLst>
               <a:ext uri="{FF2B5EF4-FFF2-40B4-BE49-F238E27FC236}">
-                <a16:creationId xmlns:a16="http://schemas.microsoft.com/office/drawing/2014/main" id="{D2EFA561-1CDF-447B-ACF0-532029E667B7}"/>
+                <a16:creationId xmlns:a16="http://schemas.microsoft.com/office/drawing/2014/main" id="{2DCC94D5-36CA-4D27-A202-B8444C590264}"/>
               </a:ext>
             </a:extLst>
           </p:cNvPr>
@@ -3579,7 +3587,7 @@
     </p:spTree>
     <p:extLst>
       <p:ext uri="{BB962C8B-B14F-4D97-AF65-F5344CB8AC3E}">
-        <p14:creationId xmlns:p14="http://schemas.microsoft.com/office/powerpoint/2010/main" val="2304858647"/>
+        <p14:creationId xmlns:p14="http://schemas.microsoft.com/office/powerpoint/2010/main" val="1659820701"/>
       </p:ext>
     </p:extLst>
   </p:cSld>
@@ -3611,7 +3619,7 @@
           <p:cNvPr id="3" name="Picture 2" descr="A screenshot of a cell phone&#10;&#10;Description automatically generated">
             <a:extLst>
               <a:ext uri="{FF2B5EF4-FFF2-40B4-BE49-F238E27FC236}">
-                <a16:creationId xmlns:a16="http://schemas.microsoft.com/office/drawing/2014/main" id="{D59074E9-EE3C-490E-858C-83804DE9689C}"/>
+                <a16:creationId xmlns:a16="http://schemas.microsoft.com/office/drawing/2014/main" id="{D32350B3-2B49-402D-8FC6-54A6822884E5}"/>
               </a:ext>
             </a:extLst>
           </p:cNvPr>
@@ -3645,7 +3653,7 @@
     </p:spTree>
     <p:extLst>
       <p:ext uri="{BB962C8B-B14F-4D97-AF65-F5344CB8AC3E}">
-        <p14:creationId xmlns:p14="http://schemas.microsoft.com/office/powerpoint/2010/main" val="2394263713"/>
+        <p14:creationId xmlns:p14="http://schemas.microsoft.com/office/powerpoint/2010/main" val="1362157371"/>
       </p:ext>
     </p:extLst>
   </p:cSld>
@@ -3677,7 +3685,7 @@
           <p:cNvPr id="3" name="Picture 2" descr="A screenshot of a cell phone&#10;&#10;Description automatically generated">
             <a:extLst>
               <a:ext uri="{FF2B5EF4-FFF2-40B4-BE49-F238E27FC236}">
-                <a16:creationId xmlns:a16="http://schemas.microsoft.com/office/drawing/2014/main" id="{67FD623A-970C-4942-B4DA-D374118BD3EF}"/>
+                <a16:creationId xmlns:a16="http://schemas.microsoft.com/office/drawing/2014/main" id="{C09376FC-2C38-4565-BE66-CFB62E956A28}"/>
               </a:ext>
             </a:extLst>
           </p:cNvPr>
@@ -3711,7 +3719,7 @@
     </p:spTree>
     <p:extLst>
       <p:ext uri="{BB962C8B-B14F-4D97-AF65-F5344CB8AC3E}">
-        <p14:creationId xmlns:p14="http://schemas.microsoft.com/office/powerpoint/2010/main" val="3503597357"/>
+        <p14:creationId xmlns:p14="http://schemas.microsoft.com/office/powerpoint/2010/main" val="675536260"/>
       </p:ext>
     </p:extLst>
   </p:cSld>
@@ -3740,10 +3748,10 @@
       </p:grpSpPr>
       <p:pic>
         <p:nvPicPr>
-          <p:cNvPr id="3" name="Picture 2" descr="A picture containing screenshot&#10;&#10;Description automatically generated">
-            <a:extLst>
-              <a:ext uri="{FF2B5EF4-FFF2-40B4-BE49-F238E27FC236}">
-                <a16:creationId xmlns:a16="http://schemas.microsoft.com/office/drawing/2014/main" id="{84635BD8-7266-4D6A-8957-F5394CEE6ED2}"/>
+          <p:cNvPr id="3" name="Picture 2" descr="A screenshot of a cell phone&#10;&#10;Description automatically generated">
+            <a:extLst>
+              <a:ext uri="{FF2B5EF4-FFF2-40B4-BE49-F238E27FC236}">
+                <a16:creationId xmlns:a16="http://schemas.microsoft.com/office/drawing/2014/main" id="{D2EFA561-1CDF-447B-ACF0-532029E667B7}"/>
               </a:ext>
             </a:extLst>
           </p:cNvPr>
@@ -3777,7 +3785,7 @@
     </p:spTree>
     <p:extLst>
       <p:ext uri="{BB962C8B-B14F-4D97-AF65-F5344CB8AC3E}">
-        <p14:creationId xmlns:p14="http://schemas.microsoft.com/office/powerpoint/2010/main" val="2756053040"/>
+        <p14:creationId xmlns:p14="http://schemas.microsoft.com/office/powerpoint/2010/main" val="2304858647"/>
       </p:ext>
     </p:extLst>
   </p:cSld>
@@ -3809,7 +3817,7 @@
           <p:cNvPr id="3" name="Picture 2" descr="A screenshot of a cell phone&#10;&#10;Description automatically generated">
             <a:extLst>
               <a:ext uri="{FF2B5EF4-FFF2-40B4-BE49-F238E27FC236}">
-                <a16:creationId xmlns:a16="http://schemas.microsoft.com/office/drawing/2014/main" id="{834E3B3F-8DDB-4D5B-8FD4-FE428683409F}"/>
+                <a16:creationId xmlns:a16="http://schemas.microsoft.com/office/drawing/2014/main" id="{D59074E9-EE3C-490E-858C-83804DE9689C}"/>
               </a:ext>
             </a:extLst>
           </p:cNvPr>
@@ -3843,7 +3851,7 @@
     </p:spTree>
     <p:extLst>
       <p:ext uri="{BB962C8B-B14F-4D97-AF65-F5344CB8AC3E}">
-        <p14:creationId xmlns:p14="http://schemas.microsoft.com/office/powerpoint/2010/main" val="2426947684"/>
+        <p14:creationId xmlns:p14="http://schemas.microsoft.com/office/powerpoint/2010/main" val="2394263713"/>
       </p:ext>
     </p:extLst>
   </p:cSld>
@@ -3875,7 +3883,7 @@
           <p:cNvPr id="3" name="Picture 2" descr="A screenshot of a cell phone&#10;&#10;Description automatically generated">
             <a:extLst>
               <a:ext uri="{FF2B5EF4-FFF2-40B4-BE49-F238E27FC236}">
-                <a16:creationId xmlns:a16="http://schemas.microsoft.com/office/drawing/2014/main" id="{C59971B5-F1DD-4E3D-BC89-2FBF0D3169D3}"/>
+                <a16:creationId xmlns:a16="http://schemas.microsoft.com/office/drawing/2014/main" id="{67FD623A-970C-4942-B4DA-D374118BD3EF}"/>
               </a:ext>
             </a:extLst>
           </p:cNvPr>
@@ -3909,7 +3917,7 @@
     </p:spTree>
     <p:extLst>
       <p:ext uri="{BB962C8B-B14F-4D97-AF65-F5344CB8AC3E}">
-        <p14:creationId xmlns:p14="http://schemas.microsoft.com/office/powerpoint/2010/main" val="1852883761"/>
+        <p14:creationId xmlns:p14="http://schemas.microsoft.com/office/powerpoint/2010/main" val="3503597357"/>
       </p:ext>
     </p:extLst>
   </p:cSld>
@@ -3938,10 +3946,10 @@
       </p:grpSpPr>
       <p:pic>
         <p:nvPicPr>
-          <p:cNvPr id="3" name="Picture 2" descr="A screenshot of a cell phone&#10;&#10;Description automatically generated">
-            <a:extLst>
-              <a:ext uri="{FF2B5EF4-FFF2-40B4-BE49-F238E27FC236}">
-                <a16:creationId xmlns:a16="http://schemas.microsoft.com/office/drawing/2014/main" id="{E94753A8-CBC6-4F73-8876-5B537DBF981B}"/>
+          <p:cNvPr id="3" name="Picture 2" descr="A picture containing screenshot&#10;&#10;Description automatically generated">
+            <a:extLst>
+              <a:ext uri="{FF2B5EF4-FFF2-40B4-BE49-F238E27FC236}">
+                <a16:creationId xmlns:a16="http://schemas.microsoft.com/office/drawing/2014/main" id="{84635BD8-7266-4D6A-8957-F5394CEE6ED2}"/>
               </a:ext>
             </a:extLst>
           </p:cNvPr>
@@ -3975,7 +3983,139 @@
     </p:spTree>
     <p:extLst>
       <p:ext uri="{BB962C8B-B14F-4D97-AF65-F5344CB8AC3E}">
-        <p14:creationId xmlns:p14="http://schemas.microsoft.com/office/powerpoint/2010/main" val="757899686"/>
+        <p14:creationId xmlns:p14="http://schemas.microsoft.com/office/powerpoint/2010/main" val="2756053040"/>
+      </p:ext>
+    </p:extLst>
+  </p:cSld>
+  <p:clrMapOvr>
+    <a:masterClrMapping/>
+  </p:clrMapOvr>
+</p:sld>
+</file>
+
+<file path=ppt/slides/slide18.xml><?xml version="1.0" encoding="utf-8"?>
+<p:sld xmlns:a="http://schemas.openxmlformats.org/drawingml/2006/main" xmlns:r="http://schemas.openxmlformats.org/officeDocument/2006/relationships" xmlns:p="http://schemas.openxmlformats.org/presentationml/2006/main">
+  <p:cSld>
+    <p:spTree>
+      <p:nvGrpSpPr>
+        <p:cNvPr id="1" name=""/>
+        <p:cNvGrpSpPr/>
+        <p:nvPr/>
+      </p:nvGrpSpPr>
+      <p:grpSpPr>
+        <a:xfrm>
+          <a:off x="0" y="0"/>
+          <a:ext cx="0" cy="0"/>
+          <a:chOff x="0" y="0"/>
+          <a:chExt cx="0" cy="0"/>
+        </a:xfrm>
+      </p:grpSpPr>
+      <p:pic>
+        <p:nvPicPr>
+          <p:cNvPr id="3" name="Picture 2" descr="A screenshot of a cell phone&#10;&#10;Description automatically generated">
+            <a:extLst>
+              <a:ext uri="{FF2B5EF4-FFF2-40B4-BE49-F238E27FC236}">
+                <a16:creationId xmlns:a16="http://schemas.microsoft.com/office/drawing/2014/main" id="{834E3B3F-8DDB-4D5B-8FD4-FE428683409F}"/>
+              </a:ext>
+            </a:extLst>
+          </p:cNvPr>
+          <p:cNvPicPr>
+            <a:picLocks noChangeAspect="1"/>
+          </p:cNvPicPr>
+          <p:nvPr/>
+        </p:nvPicPr>
+        <p:blipFill>
+          <a:blip r:embed="rId2">
+            <a:extLst>
+              <a:ext uri="{28A0092B-C50C-407E-A947-70E740481C1C}">
+                <a14:useLocalDpi xmlns:a14="http://schemas.microsoft.com/office/drawing/2010/main" val="0"/>
+              </a:ext>
+            </a:extLst>
+          </a:blip>
+          <a:stretch>
+            <a:fillRect/>
+          </a:stretch>
+        </p:blipFill>
+        <p:spPr>
+          <a:xfrm>
+            <a:off x="0" y="0"/>
+            <a:ext cx="12192000" cy="6858000"/>
+          </a:xfrm>
+          <a:prstGeom prst="rect">
+            <a:avLst/>
+          </a:prstGeom>
+        </p:spPr>
+      </p:pic>
+    </p:spTree>
+    <p:extLst>
+      <p:ext uri="{BB962C8B-B14F-4D97-AF65-F5344CB8AC3E}">
+        <p14:creationId xmlns:p14="http://schemas.microsoft.com/office/powerpoint/2010/main" val="2426947684"/>
+      </p:ext>
+    </p:extLst>
+  </p:cSld>
+  <p:clrMapOvr>
+    <a:masterClrMapping/>
+  </p:clrMapOvr>
+</p:sld>
+</file>
+
+<file path=ppt/slides/slide19.xml><?xml version="1.0" encoding="utf-8"?>
+<p:sld xmlns:a="http://schemas.openxmlformats.org/drawingml/2006/main" xmlns:r="http://schemas.openxmlformats.org/officeDocument/2006/relationships" xmlns:p="http://schemas.openxmlformats.org/presentationml/2006/main">
+  <p:cSld>
+    <p:spTree>
+      <p:nvGrpSpPr>
+        <p:cNvPr id="1" name=""/>
+        <p:cNvGrpSpPr/>
+        <p:nvPr/>
+      </p:nvGrpSpPr>
+      <p:grpSpPr>
+        <a:xfrm>
+          <a:off x="0" y="0"/>
+          <a:ext cx="0" cy="0"/>
+          <a:chOff x="0" y="0"/>
+          <a:chExt cx="0" cy="0"/>
+        </a:xfrm>
+      </p:grpSpPr>
+      <p:pic>
+        <p:nvPicPr>
+          <p:cNvPr id="3" name="Picture 2" descr="A screenshot of a cell phone&#10;&#10;Description automatically generated">
+            <a:extLst>
+              <a:ext uri="{FF2B5EF4-FFF2-40B4-BE49-F238E27FC236}">
+                <a16:creationId xmlns:a16="http://schemas.microsoft.com/office/drawing/2014/main" id="{C59971B5-F1DD-4E3D-BC89-2FBF0D3169D3}"/>
+              </a:ext>
+            </a:extLst>
+          </p:cNvPr>
+          <p:cNvPicPr>
+            <a:picLocks noChangeAspect="1"/>
+          </p:cNvPicPr>
+          <p:nvPr/>
+        </p:nvPicPr>
+        <p:blipFill>
+          <a:blip r:embed="rId2">
+            <a:extLst>
+              <a:ext uri="{28A0092B-C50C-407E-A947-70E740481C1C}">
+                <a14:useLocalDpi xmlns:a14="http://schemas.microsoft.com/office/drawing/2010/main" val="0"/>
+              </a:ext>
+            </a:extLst>
+          </a:blip>
+          <a:stretch>
+            <a:fillRect/>
+          </a:stretch>
+        </p:blipFill>
+        <p:spPr>
+          <a:xfrm>
+            <a:off x="0" y="0"/>
+            <a:ext cx="12192000" cy="6858000"/>
+          </a:xfrm>
+          <a:prstGeom prst="rect">
+            <a:avLst/>
+          </a:prstGeom>
+        </p:spPr>
+      </p:pic>
+    </p:spTree>
+    <p:extLst>
+      <p:ext uri="{BB962C8B-B14F-4D97-AF65-F5344CB8AC3E}">
+        <p14:creationId xmlns:p14="http://schemas.microsoft.com/office/powerpoint/2010/main" val="1852883761"/>
       </p:ext>
     </p:extLst>
   </p:cSld>
@@ -4042,6 +4182,72 @@
     <p:extLst>
       <p:ext uri="{BB962C8B-B14F-4D97-AF65-F5344CB8AC3E}">
         <p14:creationId xmlns:p14="http://schemas.microsoft.com/office/powerpoint/2010/main" val="434203653"/>
+      </p:ext>
+    </p:extLst>
+  </p:cSld>
+  <p:clrMapOvr>
+    <a:masterClrMapping/>
+  </p:clrMapOvr>
+</p:sld>
+</file>
+
+<file path=ppt/slides/slide20.xml><?xml version="1.0" encoding="utf-8"?>
+<p:sld xmlns:a="http://schemas.openxmlformats.org/drawingml/2006/main" xmlns:r="http://schemas.openxmlformats.org/officeDocument/2006/relationships" xmlns:p="http://schemas.openxmlformats.org/presentationml/2006/main">
+  <p:cSld>
+    <p:spTree>
+      <p:nvGrpSpPr>
+        <p:cNvPr id="1" name=""/>
+        <p:cNvGrpSpPr/>
+        <p:nvPr/>
+      </p:nvGrpSpPr>
+      <p:grpSpPr>
+        <a:xfrm>
+          <a:off x="0" y="0"/>
+          <a:ext cx="0" cy="0"/>
+          <a:chOff x="0" y="0"/>
+          <a:chExt cx="0" cy="0"/>
+        </a:xfrm>
+      </p:grpSpPr>
+      <p:pic>
+        <p:nvPicPr>
+          <p:cNvPr id="3" name="Picture 2" descr="A screenshot of a cell phone&#10;&#10;Description automatically generated">
+            <a:extLst>
+              <a:ext uri="{FF2B5EF4-FFF2-40B4-BE49-F238E27FC236}">
+                <a16:creationId xmlns:a16="http://schemas.microsoft.com/office/drawing/2014/main" id="{E94753A8-CBC6-4F73-8876-5B537DBF981B}"/>
+              </a:ext>
+            </a:extLst>
+          </p:cNvPr>
+          <p:cNvPicPr>
+            <a:picLocks noChangeAspect="1"/>
+          </p:cNvPicPr>
+          <p:nvPr/>
+        </p:nvPicPr>
+        <p:blipFill>
+          <a:blip r:embed="rId2">
+            <a:extLst>
+              <a:ext uri="{28A0092B-C50C-407E-A947-70E740481C1C}">
+                <a14:useLocalDpi xmlns:a14="http://schemas.microsoft.com/office/drawing/2010/main" val="0"/>
+              </a:ext>
+            </a:extLst>
+          </a:blip>
+          <a:stretch>
+            <a:fillRect/>
+          </a:stretch>
+        </p:blipFill>
+        <p:spPr>
+          <a:xfrm>
+            <a:off x="0" y="0"/>
+            <a:ext cx="12192000" cy="6858000"/>
+          </a:xfrm>
+          <a:prstGeom prst="rect">
+            <a:avLst/>
+          </a:prstGeom>
+        </p:spPr>
+      </p:pic>
+    </p:spTree>
+    <p:extLst>
+      <p:ext uri="{BB962C8B-B14F-4D97-AF65-F5344CB8AC3E}">
+        <p14:creationId xmlns:p14="http://schemas.microsoft.com/office/powerpoint/2010/main" val="757899686"/>
       </p:ext>
     </p:extLst>
   </p:cSld>
@@ -4136,10 +4342,10 @@
       </p:grpSpPr>
       <p:pic>
         <p:nvPicPr>
-          <p:cNvPr id="3" name="Picture 2" descr="A screenshot of a cell phone&#10;&#10;Description automatically generated">
-            <a:extLst>
-              <a:ext uri="{FF2B5EF4-FFF2-40B4-BE49-F238E27FC236}">
-                <a16:creationId xmlns:a16="http://schemas.microsoft.com/office/drawing/2014/main" id="{D6B3217E-AB63-4625-A6C1-30E10ED14E66}"/>
+          <p:cNvPr id="4" name="Picture 3" descr="White and blue silky cloth">
+            <a:extLst>
+              <a:ext uri="{FF2B5EF4-FFF2-40B4-BE49-F238E27FC236}">
+                <a16:creationId xmlns:a16="http://schemas.microsoft.com/office/drawing/2014/main" id="{05313C5B-C893-4C4D-9BFB-7D7EA6996BC2}"/>
               </a:ext>
             </a:extLst>
           </p:cNvPr>
@@ -4148,32 +4354,171 @@
           </p:cNvPicPr>
           <p:nvPr/>
         </p:nvPicPr>
-        <p:blipFill>
-          <a:blip r:embed="rId2">
-            <a:extLst>
-              <a:ext uri="{28A0092B-C50C-407E-A947-70E740481C1C}">
-                <a14:useLocalDpi xmlns:a14="http://schemas.microsoft.com/office/drawing/2010/main" val="0"/>
-              </a:ext>
-            </a:extLst>
-          </a:blip>
-          <a:stretch>
-            <a:fillRect/>
-          </a:stretch>
+        <p:blipFill rotWithShape="1">
+          <a:blip r:embed="rId2"/>
+          <a:srcRect t="12375" b="3038"/>
+          <a:stretch/>
         </p:blipFill>
         <p:spPr>
           <a:xfrm>
-            <a:off x="0" y="0"/>
-            <a:ext cx="12192000" cy="6858000"/>
+            <a:off x="20" y="0"/>
+            <a:ext cx="12191980" cy="6857990"/>
           </a:xfrm>
           <a:prstGeom prst="rect">
             <a:avLst/>
           </a:prstGeom>
         </p:spPr>
       </p:pic>
+      <p:sp>
+        <p:nvSpPr>
+          <p:cNvPr id="2" name="Title 1">
+            <a:extLst>
+              <a:ext uri="{FF2B5EF4-FFF2-40B4-BE49-F238E27FC236}">
+                <a16:creationId xmlns:a16="http://schemas.microsoft.com/office/drawing/2014/main" id="{0D6E346F-447C-4ACD-8FEA-A3A297B0F86F}"/>
+              </a:ext>
+            </a:extLst>
+          </p:cNvPr>
+          <p:cNvSpPr>
+            <a:spLocks noGrp="1"/>
+          </p:cNvSpPr>
+          <p:nvPr>
+            <p:ph type="title"/>
+          </p:nvPr>
+        </p:nvSpPr>
+        <p:spPr/>
+        <p:txBody>
+          <a:bodyPr>
+            <a:normAutofit/>
+          </a:bodyPr>
+          <a:lstStyle/>
+          <a:p>
+            <a:r>
+              <a:rPr lang="en-MY" b="0" i="0">
+                <a:solidFill>
+                  <a:srgbClr val="111111"/>
+                </a:solidFill>
+                <a:effectLst/>
+                <a:latin typeface="SourceSansPro"/>
+              </a:rPr>
+              <a:t>What Is Islamic Banking?</a:t>
+            </a:r>
+            <a:endParaRPr lang="en-MY" dirty="0"/>
+          </a:p>
+        </p:txBody>
+      </p:sp>
+      <p:sp>
+        <p:nvSpPr>
+          <p:cNvPr id="3" name="Content Placeholder 2">
+            <a:extLst>
+              <a:ext uri="{FF2B5EF4-FFF2-40B4-BE49-F238E27FC236}">
+                <a16:creationId xmlns:a16="http://schemas.microsoft.com/office/drawing/2014/main" id="{418E26E1-3342-4440-8B3D-EB31DEF9F1AD}"/>
+              </a:ext>
+            </a:extLst>
+          </p:cNvPr>
+          <p:cNvSpPr>
+            <a:spLocks noGrp="1"/>
+          </p:cNvSpPr>
+          <p:nvPr>
+            <p:ph idx="1"/>
+          </p:nvPr>
+        </p:nvSpPr>
+        <p:spPr/>
+        <p:txBody>
+          <a:bodyPr>
+            <a:normAutofit fontScale="92500" lnSpcReduction="20000"/>
+          </a:bodyPr>
+          <a:lstStyle/>
+          <a:p>
+            <a:pPr marL="0" indent="0" algn="l">
+              <a:buNone/>
+            </a:pPr>
+            <a:r>
+              <a:rPr lang="en-US" b="0" i="0" cap="all">
+                <a:solidFill>
+                  <a:srgbClr val="111111"/>
+                </a:solidFill>
+                <a:effectLst/>
+                <a:latin typeface="Cabin-semi-bold"/>
+              </a:rPr>
+              <a:t>KEY TAKEAWAYS</a:t>
+            </a:r>
+          </a:p>
+          <a:p>
+            <a:pPr algn="l">
+              <a:buFont typeface="Arial" panose="020B0604020202020204" pitchFamily="34" charset="0"/>
+              <a:buChar char="•"/>
+            </a:pPr>
+            <a:r>
+              <a:rPr lang="en-US" b="0" i="0">
+                <a:solidFill>
+                  <a:srgbClr val="111111"/>
+                </a:solidFill>
+                <a:effectLst/>
+                <a:latin typeface="SourceSansPro"/>
+              </a:rPr>
+              <a:t>Islamic banking, also referred to as Islamic finance or shariah-compliant finance, refers to finance or banking activities that adhere to shariah (Islamic law).</a:t>
+            </a:r>
+          </a:p>
+          <a:p>
+            <a:pPr algn="l">
+              <a:buFont typeface="Arial" panose="020B0604020202020204" pitchFamily="34" charset="0"/>
+              <a:buChar char="•"/>
+            </a:pPr>
+            <a:r>
+              <a:rPr lang="en-US" b="0" i="0">
+                <a:solidFill>
+                  <a:srgbClr val="111111"/>
+                </a:solidFill>
+                <a:effectLst/>
+                <a:latin typeface="SourceSansPro"/>
+              </a:rPr>
+              <a:t>Two fundamental principles of Islamic banking are the sharing of profit and loss, and the prohibition of the collection and payment of interest by lenders and investors.</a:t>
+            </a:r>
+          </a:p>
+          <a:p>
+            <a:pPr algn="l">
+              <a:buFont typeface="Arial" panose="020B0604020202020204" pitchFamily="34" charset="0"/>
+              <a:buChar char="•"/>
+            </a:pPr>
+            <a:r>
+              <a:rPr lang="en-US" b="0" i="0">
+                <a:solidFill>
+                  <a:srgbClr val="111111"/>
+                </a:solidFill>
+                <a:effectLst/>
+                <a:latin typeface="SourceSansPro"/>
+              </a:rPr>
+              <a:t>Islamic banks make a profit through equity participation, which requires a borrower to give the bank a share in their profits rather than paying interest.</a:t>
+            </a:r>
+          </a:p>
+          <a:p>
+            <a:pPr algn="l">
+              <a:buFont typeface="Arial" panose="020B0604020202020204" pitchFamily="34" charset="0"/>
+              <a:buChar char="•"/>
+            </a:pPr>
+            <a:r>
+              <a:rPr lang="en-US" b="0" i="0">
+                <a:solidFill>
+                  <a:srgbClr val="111111"/>
+                </a:solidFill>
+                <a:effectLst/>
+                <a:latin typeface="SourceSansPro"/>
+              </a:rPr>
+              <a:t>Some conventional banks have windows or sections that provide designated Islamic banking services to their customers.</a:t>
+            </a:r>
+          </a:p>
+          <a:p>
+            <a:pPr marL="0" indent="0">
+              <a:buNone/>
+            </a:pPr>
+            <a:endParaRPr lang="en-MY" dirty="0"/>
+          </a:p>
+        </p:txBody>
+      </p:sp>
     </p:spTree>
     <p:extLst>
       <p:ext uri="{BB962C8B-B14F-4D97-AF65-F5344CB8AC3E}">
-        <p14:creationId xmlns:p14="http://schemas.microsoft.com/office/powerpoint/2010/main" val="3548777087"/>
+        <p14:creationId xmlns:p14="http://schemas.microsoft.com/office/powerpoint/2010/main" val="2671056165"/>
       </p:ext>
     </p:extLst>
   </p:cSld>
@@ -4202,10 +4547,10 @@
       </p:grpSpPr>
       <p:pic>
         <p:nvPicPr>
-          <p:cNvPr id="3" name="Picture 2" descr="A picture containing screenshot&#10;&#10;Description automatically generated">
-            <a:extLst>
-              <a:ext uri="{FF2B5EF4-FFF2-40B4-BE49-F238E27FC236}">
-                <a16:creationId xmlns:a16="http://schemas.microsoft.com/office/drawing/2014/main" id="{773483AD-2B12-4D68-8EA9-90B72A0FFF8A}"/>
+          <p:cNvPr id="10" name="Picture 9" descr="White and blue silky cloth">
+            <a:extLst>
+              <a:ext uri="{FF2B5EF4-FFF2-40B4-BE49-F238E27FC236}">
+                <a16:creationId xmlns:a16="http://schemas.microsoft.com/office/drawing/2014/main" id="{309A2FC4-2D3E-4D66-92CB-813F6F3649A9}"/>
               </a:ext>
             </a:extLst>
           </p:cNvPr>
@@ -4214,32 +4559,800 @@
           </p:cNvPicPr>
           <p:nvPr/>
         </p:nvPicPr>
-        <p:blipFill>
-          <a:blip r:embed="rId2">
-            <a:extLst>
-              <a:ext uri="{28A0092B-C50C-407E-A947-70E740481C1C}">
-                <a14:useLocalDpi xmlns:a14="http://schemas.microsoft.com/office/drawing/2010/main" val="0"/>
-              </a:ext>
-            </a:extLst>
-          </a:blip>
-          <a:stretch>
-            <a:fillRect/>
-          </a:stretch>
+        <p:blipFill rotWithShape="1">
+          <a:blip r:embed="rId2"/>
+          <a:srcRect t="12375" b="3038"/>
+          <a:stretch/>
         </p:blipFill>
         <p:spPr>
           <a:xfrm>
-            <a:off x="0" y="0"/>
-            <a:ext cx="12192000" cy="6858000"/>
+            <a:off x="20" y="0"/>
+            <a:ext cx="12191980" cy="6857990"/>
           </a:xfrm>
           <a:prstGeom prst="rect">
             <a:avLst/>
           </a:prstGeom>
         </p:spPr>
       </p:pic>
+      <p:sp>
+        <p:nvSpPr>
+          <p:cNvPr id="2" name="Title 1">
+            <a:extLst>
+              <a:ext uri="{FF2B5EF4-FFF2-40B4-BE49-F238E27FC236}">
+                <a16:creationId xmlns:a16="http://schemas.microsoft.com/office/drawing/2014/main" id="{20299E46-67E0-4D0F-B76D-13624BD03200}"/>
+              </a:ext>
+            </a:extLst>
+          </p:cNvPr>
+          <p:cNvSpPr>
+            <a:spLocks noGrp="1"/>
+          </p:cNvSpPr>
+          <p:nvPr>
+            <p:ph type="title"/>
+          </p:nvPr>
+        </p:nvSpPr>
+        <p:spPr>
+          <a:xfrm>
+            <a:off x="166915" y="0"/>
+            <a:ext cx="3292450" cy="4231208"/>
+          </a:xfrm>
+        </p:spPr>
+        <p:txBody>
+          <a:bodyPr vert="horz" lIns="91440" tIns="45720" rIns="91440" bIns="45720" rtlCol="0" anchor="b">
+            <a:normAutofit/>
+          </a:bodyPr>
+          <a:lstStyle/>
+          <a:p>
+            <a:r>
+              <a:rPr lang="en-MY" b="1" dirty="0">
+                <a:solidFill>
+                  <a:srgbClr val="000000"/>
+                </a:solidFill>
+                <a:effectLst/>
+                <a:latin typeface="inherit"/>
+                <a:ea typeface="Times New Roman" panose="02020603050405020304" pitchFamily="18" charset="0"/>
+                <a:cs typeface="Times New Roman" panose="02020603050405020304" pitchFamily="18" charset="0"/>
+              </a:rPr>
+              <a:t>Major Differences Between Islamic and Conventional Banking</a:t>
+            </a:r>
+            <a:endParaRPr lang="en-US" sz="8800" dirty="0"/>
+          </a:p>
+        </p:txBody>
+      </p:sp>
+      <p:graphicFrame>
+        <p:nvGraphicFramePr>
+          <p:cNvPr id="4" name="Table 3">
+            <a:extLst>
+              <a:ext uri="{FF2B5EF4-FFF2-40B4-BE49-F238E27FC236}">
+                <a16:creationId xmlns:a16="http://schemas.microsoft.com/office/drawing/2014/main" id="{22350F03-2F6C-446C-B72C-2436BBE0CCCF}"/>
+              </a:ext>
+            </a:extLst>
+          </p:cNvPr>
+          <p:cNvGraphicFramePr>
+            <a:graphicFrameLocks noGrp="1"/>
+          </p:cNvGraphicFramePr>
+          <p:nvPr>
+            <p:extLst>
+              <p:ext uri="{D42A27DB-BD31-4B8C-83A1-F6EECF244321}">
+                <p14:modId xmlns:p14="http://schemas.microsoft.com/office/powerpoint/2010/main" val="1102502319"/>
+              </p:ext>
+            </p:extLst>
+          </p:nvPr>
+        </p:nvGraphicFramePr>
+        <p:xfrm>
+          <a:off x="3607396" y="0"/>
+          <a:ext cx="8584604" cy="6885587"/>
+        </p:xfrm>
+        <a:graphic>
+          <a:graphicData uri="http://schemas.openxmlformats.org/drawingml/2006/table">
+            <a:tbl>
+              <a:tblPr firstRow="1" firstCol="1" bandRow="1">
+                <a:tableStyleId>{5C22544A-7EE6-4342-B048-85BDC9FD1C3A}</a:tableStyleId>
+              </a:tblPr>
+              <a:tblGrid>
+                <a:gridCol w="4292586">
+                  <a:extLst>
+                    <a:ext uri="{9D8B030D-6E8A-4147-A177-3AD203B41FA5}">
+                      <a16:colId xmlns:a16="http://schemas.microsoft.com/office/drawing/2014/main" val="1426488281"/>
+                    </a:ext>
+                  </a:extLst>
+                </a:gridCol>
+                <a:gridCol w="4292018">
+                  <a:extLst>
+                    <a:ext uri="{9D8B030D-6E8A-4147-A177-3AD203B41FA5}">
+                      <a16:colId xmlns:a16="http://schemas.microsoft.com/office/drawing/2014/main" val="1339113656"/>
+                    </a:ext>
+                  </a:extLst>
+                </a:gridCol>
+              </a:tblGrid>
+              <a:tr h="465268">
+                <a:tc>
+                  <a:txBody>
+                    <a:bodyPr/>
+                    <a:lstStyle/>
+                    <a:p>
+                      <a:pPr marL="0" marR="0" algn="ctr" rtl="1">
+                        <a:lnSpc>
+                          <a:spcPct val="107000"/>
+                        </a:lnSpc>
+                        <a:spcBef>
+                          <a:spcPts val="1500"/>
+                        </a:spcBef>
+                        <a:spcAft>
+                          <a:spcPts val="750"/>
+                        </a:spcAft>
+                      </a:pPr>
+                      <a:r>
+                        <a:rPr lang="en-MY" sz="2000" dirty="0">
+                          <a:solidFill>
+                            <a:schemeClr val="tx1"/>
+                          </a:solidFill>
+                          <a:effectLst/>
+                        </a:rPr>
+                        <a:t>Conventional Banking</a:t>
+                      </a:r>
+                      <a:endParaRPr lang="en-MY" sz="2000" dirty="0">
+                        <a:solidFill>
+                          <a:schemeClr val="tx1"/>
+                        </a:solidFill>
+                        <a:effectLst/>
+                        <a:latin typeface="Arial" panose="020B0604020202020204" pitchFamily="34" charset="0"/>
+                        <a:ea typeface="Calibri" panose="020F0502020204030204" pitchFamily="34" charset="0"/>
+                        <a:cs typeface="Times New Roman" panose="02020603050405020304" pitchFamily="18" charset="0"/>
+                      </a:endParaRPr>
+                    </a:p>
+                  </a:txBody>
+                  <a:tcPr marL="35836" marR="23891" marT="23891" marB="23891" anchor="ctr"/>
+                </a:tc>
+                <a:tc>
+                  <a:txBody>
+                    <a:bodyPr/>
+                    <a:lstStyle/>
+                    <a:p>
+                      <a:pPr marL="0" marR="0" algn="ctr">
+                        <a:lnSpc>
+                          <a:spcPct val="107000"/>
+                        </a:lnSpc>
+                        <a:spcBef>
+                          <a:spcPts val="1500"/>
+                        </a:spcBef>
+                        <a:spcAft>
+                          <a:spcPts val="750"/>
+                        </a:spcAft>
+                      </a:pPr>
+                      <a:r>
+                        <a:rPr lang="en-MY" sz="2000" b="1" dirty="0">
+                          <a:solidFill>
+                            <a:schemeClr val="bg1"/>
+                          </a:solidFill>
+                          <a:effectLst/>
+                        </a:rPr>
+                        <a:t>Islamic Banking</a:t>
+                      </a:r>
+                      <a:endParaRPr lang="en-MY" sz="2000" b="1" dirty="0">
+                        <a:solidFill>
+                          <a:schemeClr val="bg1"/>
+                        </a:solidFill>
+                        <a:effectLst/>
+                        <a:latin typeface="Arial" panose="020B0604020202020204" pitchFamily="34" charset="0"/>
+                        <a:ea typeface="Calibri" panose="020F0502020204030204" pitchFamily="34" charset="0"/>
+                        <a:cs typeface="Times New Roman" panose="02020603050405020304" pitchFamily="18" charset="0"/>
+                      </a:endParaRPr>
+                    </a:p>
+                  </a:txBody>
+                  <a:tcPr marL="71671" marR="23891" marT="23891" marB="23891" anchor="ctr"/>
+                </a:tc>
+                <a:extLst>
+                  <a:ext uri="{0D108BD9-81ED-4DB2-BD59-A6C34878D82A}">
+                    <a16:rowId xmlns:a16="http://schemas.microsoft.com/office/drawing/2014/main" val="2363651371"/>
+                  </a:ext>
+                </a:extLst>
+              </a:tr>
+              <a:tr h="692287">
+                <a:tc>
+                  <a:txBody>
+                    <a:bodyPr/>
+                    <a:lstStyle/>
+                    <a:p>
+                      <a:pPr marL="0" marR="0" algn="ctr">
+                        <a:lnSpc>
+                          <a:spcPct val="107000"/>
+                        </a:lnSpc>
+                        <a:spcBef>
+                          <a:spcPts val="0"/>
+                        </a:spcBef>
+                        <a:spcAft>
+                          <a:spcPts val="750"/>
+                        </a:spcAft>
+                      </a:pPr>
+                      <a:r>
+                        <a:rPr lang="en-MY" sz="1400">
+                          <a:effectLst/>
+                        </a:rPr>
+                        <a:t>Money is a product besides medium of exchange and store of value</a:t>
+                      </a:r>
+                      <a:endParaRPr lang="en-MY" sz="1400">
+                        <a:effectLst/>
+                        <a:latin typeface="Arial" panose="020B0604020202020204" pitchFamily="34" charset="0"/>
+                        <a:ea typeface="Calibri" panose="020F0502020204030204" pitchFamily="34" charset="0"/>
+                        <a:cs typeface="Times New Roman" panose="02020603050405020304" pitchFamily="18" charset="0"/>
+                      </a:endParaRPr>
+                    </a:p>
+                  </a:txBody>
+                  <a:tcPr marL="35836" marR="23891" marT="23891" marB="23891" anchor="ctr"/>
+                </a:tc>
+                <a:tc>
+                  <a:txBody>
+                    <a:bodyPr/>
+                    <a:lstStyle/>
+                    <a:p>
+                      <a:pPr marL="0" marR="0" algn="ctr">
+                        <a:lnSpc>
+                          <a:spcPct val="107000"/>
+                        </a:lnSpc>
+                        <a:spcBef>
+                          <a:spcPts val="0"/>
+                        </a:spcBef>
+                        <a:spcAft>
+                          <a:spcPts val="750"/>
+                        </a:spcAft>
+                      </a:pPr>
+                      <a:r>
+                        <a:rPr lang="en-MY" sz="1400" dirty="0">
+                          <a:effectLst/>
+                        </a:rPr>
+                        <a:t>Real Asset is a product Money is just a medium of exchange</a:t>
+                      </a:r>
+                      <a:endParaRPr lang="en-MY" sz="1400" dirty="0">
+                        <a:effectLst/>
+                        <a:latin typeface="Arial" panose="020B0604020202020204" pitchFamily="34" charset="0"/>
+                        <a:ea typeface="Calibri" panose="020F0502020204030204" pitchFamily="34" charset="0"/>
+                        <a:cs typeface="Times New Roman" panose="02020603050405020304" pitchFamily="18" charset="0"/>
+                      </a:endParaRPr>
+                    </a:p>
+                  </a:txBody>
+                  <a:tcPr marL="71671" marR="23891" marT="23891" marB="23891" anchor="ctr"/>
+                </a:tc>
+                <a:extLst>
+                  <a:ext uri="{0D108BD9-81ED-4DB2-BD59-A6C34878D82A}">
+                    <a16:rowId xmlns:a16="http://schemas.microsoft.com/office/drawing/2014/main" val="3254713678"/>
+                  </a:ext>
+                </a:extLst>
+              </a:tr>
+              <a:tr h="465268">
+                <a:tc>
+                  <a:txBody>
+                    <a:bodyPr/>
+                    <a:lstStyle/>
+                    <a:p>
+                      <a:pPr marL="0" marR="0" algn="ctr">
+                        <a:lnSpc>
+                          <a:spcPct val="107000"/>
+                        </a:lnSpc>
+                        <a:spcBef>
+                          <a:spcPts val="0"/>
+                        </a:spcBef>
+                        <a:spcAft>
+                          <a:spcPts val="750"/>
+                        </a:spcAft>
+                      </a:pPr>
+                      <a:r>
+                        <a:rPr lang="en-MY" sz="1400">
+                          <a:effectLst/>
+                        </a:rPr>
+                        <a:t>Time value is the basis for charging interest on capital</a:t>
+                      </a:r>
+                      <a:endParaRPr lang="en-MY" sz="1400">
+                        <a:effectLst/>
+                        <a:latin typeface="Arial" panose="020B0604020202020204" pitchFamily="34" charset="0"/>
+                        <a:ea typeface="Calibri" panose="020F0502020204030204" pitchFamily="34" charset="0"/>
+                        <a:cs typeface="Times New Roman" panose="02020603050405020304" pitchFamily="18" charset="0"/>
+                      </a:endParaRPr>
+                    </a:p>
+                  </a:txBody>
+                  <a:tcPr marL="35836" marR="23891" marT="23891" marB="23891" anchor="ctr"/>
+                </a:tc>
+                <a:tc>
+                  <a:txBody>
+                    <a:bodyPr/>
+                    <a:lstStyle/>
+                    <a:p>
+                      <a:pPr marL="0" marR="0" algn="ctr">
+                        <a:lnSpc>
+                          <a:spcPct val="107000"/>
+                        </a:lnSpc>
+                        <a:spcBef>
+                          <a:spcPts val="0"/>
+                        </a:spcBef>
+                        <a:spcAft>
+                          <a:spcPts val="750"/>
+                        </a:spcAft>
+                      </a:pPr>
+                      <a:r>
+                        <a:rPr lang="en-MY" sz="1400" dirty="0">
+                          <a:effectLst/>
+                        </a:rPr>
+                        <a:t>Profit on exchange of goods &amp; services is the basis for earning profit</a:t>
+                      </a:r>
+                      <a:endParaRPr lang="en-MY" sz="1400" dirty="0">
+                        <a:effectLst/>
+                        <a:latin typeface="Arial" panose="020B0604020202020204" pitchFamily="34" charset="0"/>
+                        <a:ea typeface="Calibri" panose="020F0502020204030204" pitchFamily="34" charset="0"/>
+                        <a:cs typeface="Times New Roman" panose="02020603050405020304" pitchFamily="18" charset="0"/>
+                      </a:endParaRPr>
+                    </a:p>
+                  </a:txBody>
+                  <a:tcPr marL="71671" marR="23891" marT="23891" marB="23891" anchor="ctr"/>
+                </a:tc>
+                <a:extLst>
+                  <a:ext uri="{0D108BD9-81ED-4DB2-BD59-A6C34878D82A}">
+                    <a16:rowId xmlns:a16="http://schemas.microsoft.com/office/drawing/2014/main" val="888562616"/>
+                  </a:ext>
+                </a:extLst>
+              </a:tr>
+              <a:tr h="770716">
+                <a:tc>
+                  <a:txBody>
+                    <a:bodyPr/>
+                    <a:lstStyle/>
+                    <a:p>
+                      <a:pPr marL="0" marR="0" algn="ctr">
+                        <a:lnSpc>
+                          <a:spcPct val="107000"/>
+                        </a:lnSpc>
+                        <a:spcBef>
+                          <a:spcPts val="0"/>
+                        </a:spcBef>
+                        <a:spcAft>
+                          <a:spcPts val="750"/>
+                        </a:spcAft>
+                      </a:pPr>
+                      <a:r>
+                        <a:rPr lang="en-MY" sz="1400" dirty="0">
+                          <a:effectLst/>
+                        </a:rPr>
+                        <a:t>The expanded money in the money market without backing the real assets, result deficit financing</a:t>
+                      </a:r>
+                      <a:endParaRPr lang="en-MY" sz="1400" dirty="0">
+                        <a:effectLst/>
+                        <a:latin typeface="Arial" panose="020B0604020202020204" pitchFamily="34" charset="0"/>
+                        <a:ea typeface="Calibri" panose="020F0502020204030204" pitchFamily="34" charset="0"/>
+                        <a:cs typeface="Times New Roman" panose="02020603050405020304" pitchFamily="18" charset="0"/>
+                      </a:endParaRPr>
+                    </a:p>
+                  </a:txBody>
+                  <a:tcPr marL="35836" marR="23891" marT="23891" marB="23891" anchor="ctr"/>
+                </a:tc>
+                <a:tc>
+                  <a:txBody>
+                    <a:bodyPr/>
+                    <a:lstStyle/>
+                    <a:p>
+                      <a:pPr marL="0" marR="0" algn="ctr">
+                        <a:lnSpc>
+                          <a:spcPct val="107000"/>
+                        </a:lnSpc>
+                        <a:spcBef>
+                          <a:spcPts val="0"/>
+                        </a:spcBef>
+                        <a:spcAft>
+                          <a:spcPts val="750"/>
+                        </a:spcAft>
+                      </a:pPr>
+                      <a:r>
+                        <a:rPr lang="en-MY" sz="1400" dirty="0">
+                          <a:effectLst/>
+                        </a:rPr>
+                        <a:t>Balance budget is the outcome of no expansion of money</a:t>
+                      </a:r>
+                      <a:endParaRPr lang="en-MY" sz="1400" dirty="0">
+                        <a:effectLst/>
+                        <a:latin typeface="Arial" panose="020B0604020202020204" pitchFamily="34" charset="0"/>
+                        <a:ea typeface="Calibri" panose="020F0502020204030204" pitchFamily="34" charset="0"/>
+                        <a:cs typeface="Times New Roman" panose="02020603050405020304" pitchFamily="18" charset="0"/>
+                      </a:endParaRPr>
+                    </a:p>
+                  </a:txBody>
+                  <a:tcPr marL="71671" marR="23891" marT="23891" marB="23891" anchor="ctr"/>
+                </a:tc>
+                <a:extLst>
+                  <a:ext uri="{0D108BD9-81ED-4DB2-BD59-A6C34878D82A}">
+                    <a16:rowId xmlns:a16="http://schemas.microsoft.com/office/drawing/2014/main" val="1018371243"/>
+                  </a:ext>
+                </a:extLst>
+              </a:tr>
+              <a:tr h="770716">
+                <a:tc>
+                  <a:txBody>
+                    <a:bodyPr/>
+                    <a:lstStyle/>
+                    <a:p>
+                      <a:pPr marL="0" marR="0" algn="ctr">
+                        <a:lnSpc>
+                          <a:spcPct val="107000"/>
+                        </a:lnSpc>
+                        <a:spcBef>
+                          <a:spcPts val="0"/>
+                        </a:spcBef>
+                        <a:spcAft>
+                          <a:spcPts val="750"/>
+                        </a:spcAft>
+                      </a:pPr>
+                      <a:r>
+                        <a:rPr lang="en-MY" sz="1400" dirty="0">
+                          <a:effectLst/>
+                        </a:rPr>
+                        <a:t>Interest is charged even in case; the organization suffers losses. Thus, no concept of sharing loss</a:t>
+                      </a:r>
+                      <a:endParaRPr lang="en-MY" sz="1400" dirty="0">
+                        <a:effectLst/>
+                        <a:latin typeface="Arial" panose="020B0604020202020204" pitchFamily="34" charset="0"/>
+                        <a:ea typeface="Calibri" panose="020F0502020204030204" pitchFamily="34" charset="0"/>
+                        <a:cs typeface="Times New Roman" panose="02020603050405020304" pitchFamily="18" charset="0"/>
+                      </a:endParaRPr>
+                    </a:p>
+                  </a:txBody>
+                  <a:tcPr marL="35836" marR="23891" marT="23891" marB="23891" anchor="ctr"/>
+                </a:tc>
+                <a:tc>
+                  <a:txBody>
+                    <a:bodyPr/>
+                    <a:lstStyle/>
+                    <a:p>
+                      <a:pPr marL="0" marR="0" algn="ctr">
+                        <a:lnSpc>
+                          <a:spcPct val="107000"/>
+                        </a:lnSpc>
+                        <a:spcBef>
+                          <a:spcPts val="0"/>
+                        </a:spcBef>
+                        <a:spcAft>
+                          <a:spcPts val="750"/>
+                        </a:spcAft>
+                      </a:pPr>
+                      <a:r>
+                        <a:rPr lang="en-MY" sz="1400" dirty="0">
+                          <a:effectLst/>
+                        </a:rPr>
+                        <a:t>Loss is shared when the organization suffers loss</a:t>
+                      </a:r>
+                      <a:endParaRPr lang="en-MY" sz="1400" dirty="0">
+                        <a:effectLst/>
+                        <a:latin typeface="Arial" panose="020B0604020202020204" pitchFamily="34" charset="0"/>
+                        <a:ea typeface="Calibri" panose="020F0502020204030204" pitchFamily="34" charset="0"/>
+                        <a:cs typeface="Times New Roman" panose="02020603050405020304" pitchFamily="18" charset="0"/>
+                      </a:endParaRPr>
+                    </a:p>
+                  </a:txBody>
+                  <a:tcPr marL="71671" marR="23891" marT="23891" marB="23891" anchor="ctr"/>
+                </a:tc>
+                <a:extLst>
+                  <a:ext uri="{0D108BD9-81ED-4DB2-BD59-A6C34878D82A}">
+                    <a16:rowId xmlns:a16="http://schemas.microsoft.com/office/drawing/2014/main" val="1363264350"/>
+                  </a:ext>
+                </a:extLst>
+              </a:tr>
+              <a:tr h="770716">
+                <a:tc>
+                  <a:txBody>
+                    <a:bodyPr/>
+                    <a:lstStyle/>
+                    <a:p>
+                      <a:pPr marL="0" marR="0" algn="ctr">
+                        <a:lnSpc>
+                          <a:spcPct val="107000"/>
+                        </a:lnSpc>
+                        <a:spcBef>
+                          <a:spcPts val="0"/>
+                        </a:spcBef>
+                        <a:spcAft>
+                          <a:spcPts val="750"/>
+                        </a:spcAft>
+                      </a:pPr>
+                      <a:r>
+                        <a:rPr lang="en-MY" sz="1400">
+                          <a:effectLst/>
+                        </a:rPr>
+                        <a:t>While disbursing cash finance, running finance, or working capital finance, no agreement for exchange of goods &amp; services is made</a:t>
+                      </a:r>
+                      <a:endParaRPr lang="en-MY" sz="1400">
+                        <a:effectLst/>
+                        <a:latin typeface="Arial" panose="020B0604020202020204" pitchFamily="34" charset="0"/>
+                        <a:ea typeface="Calibri" panose="020F0502020204030204" pitchFamily="34" charset="0"/>
+                        <a:cs typeface="Times New Roman" panose="02020603050405020304" pitchFamily="18" charset="0"/>
+                      </a:endParaRPr>
+                    </a:p>
+                  </a:txBody>
+                  <a:tcPr marL="35836" marR="23891" marT="23891" marB="23891" anchor="ctr"/>
+                </a:tc>
+                <a:tc>
+                  <a:txBody>
+                    <a:bodyPr/>
+                    <a:lstStyle/>
+                    <a:p>
+                      <a:pPr marL="0" marR="0" algn="ctr">
+                        <a:lnSpc>
+                          <a:spcPct val="107000"/>
+                        </a:lnSpc>
+                        <a:spcBef>
+                          <a:spcPts val="0"/>
+                        </a:spcBef>
+                        <a:spcAft>
+                          <a:spcPts val="750"/>
+                        </a:spcAft>
+                      </a:pPr>
+                      <a:r>
+                        <a:rPr lang="en-MY" sz="1400" dirty="0">
+                          <a:effectLst/>
+                        </a:rPr>
+                        <a:t>The execution of agreement for the exchange of good &amp; services is must, while disbursing funds under Salam &amp; </a:t>
+                      </a:r>
+                      <a:r>
+                        <a:rPr lang="en-MY" sz="1400" dirty="0" err="1">
+                          <a:effectLst/>
+                        </a:rPr>
+                        <a:t>Istisna</a:t>
+                      </a:r>
+                      <a:r>
+                        <a:rPr lang="en-MY" sz="1400" dirty="0">
+                          <a:effectLst/>
+                        </a:rPr>
+                        <a:t> contracts</a:t>
+                      </a:r>
+                      <a:endParaRPr lang="en-MY" sz="1400" dirty="0">
+                        <a:effectLst/>
+                        <a:latin typeface="Arial" panose="020B0604020202020204" pitchFamily="34" charset="0"/>
+                        <a:ea typeface="Calibri" panose="020F0502020204030204" pitchFamily="34" charset="0"/>
+                        <a:cs typeface="Times New Roman" panose="02020603050405020304" pitchFamily="18" charset="0"/>
+                      </a:endParaRPr>
+                    </a:p>
+                  </a:txBody>
+                  <a:tcPr marL="71671" marR="23891" marT="23891" marB="23891" anchor="ctr"/>
+                </a:tc>
+                <a:extLst>
+                  <a:ext uri="{0D108BD9-81ED-4DB2-BD59-A6C34878D82A}">
+                    <a16:rowId xmlns:a16="http://schemas.microsoft.com/office/drawing/2014/main" val="1305726842"/>
+                  </a:ext>
+                </a:extLst>
+              </a:tr>
+              <a:tr h="1076157">
+                <a:tc>
+                  <a:txBody>
+                    <a:bodyPr/>
+                    <a:lstStyle/>
+                    <a:p>
+                      <a:pPr marL="0" marR="0" algn="ctr">
+                        <a:lnSpc>
+                          <a:spcPct val="107000"/>
+                        </a:lnSpc>
+                        <a:spcBef>
+                          <a:spcPts val="0"/>
+                        </a:spcBef>
+                        <a:spcAft>
+                          <a:spcPts val="750"/>
+                        </a:spcAft>
+                      </a:pPr>
+                      <a:r>
+                        <a:rPr lang="en-MY" sz="1400">
+                          <a:effectLst/>
+                        </a:rPr>
+                        <a:t>Due to non-existence of goods &amp; services behind the money while disbursing funds, the expansion of money takes place, which creates inflation</a:t>
+                      </a:r>
+                      <a:endParaRPr lang="en-MY" sz="1400">
+                        <a:effectLst/>
+                        <a:latin typeface="Arial" panose="020B0604020202020204" pitchFamily="34" charset="0"/>
+                        <a:ea typeface="Calibri" panose="020F0502020204030204" pitchFamily="34" charset="0"/>
+                        <a:cs typeface="Times New Roman" panose="02020603050405020304" pitchFamily="18" charset="0"/>
+                      </a:endParaRPr>
+                    </a:p>
+                  </a:txBody>
+                  <a:tcPr marL="35836" marR="23891" marT="23891" marB="23891" anchor="ctr"/>
+                </a:tc>
+                <a:tc>
+                  <a:txBody>
+                    <a:bodyPr/>
+                    <a:lstStyle/>
+                    <a:p>
+                      <a:pPr marL="0" marR="0" algn="ctr">
+                        <a:lnSpc>
+                          <a:spcPct val="107000"/>
+                        </a:lnSpc>
+                        <a:spcBef>
+                          <a:spcPts val="0"/>
+                        </a:spcBef>
+                        <a:spcAft>
+                          <a:spcPts val="750"/>
+                        </a:spcAft>
+                      </a:pPr>
+                      <a:r>
+                        <a:rPr lang="en-MY" sz="1400" dirty="0">
+                          <a:effectLst/>
+                        </a:rPr>
+                        <a:t>Due to existence of goods &amp; services no expansion of money takes place and thus no inflation is created</a:t>
+                      </a:r>
+                      <a:endParaRPr lang="en-MY" sz="1400" dirty="0">
+                        <a:effectLst/>
+                        <a:latin typeface="Arial" panose="020B0604020202020204" pitchFamily="34" charset="0"/>
+                        <a:ea typeface="Calibri" panose="020F0502020204030204" pitchFamily="34" charset="0"/>
+                        <a:cs typeface="Times New Roman" panose="02020603050405020304" pitchFamily="18" charset="0"/>
+                      </a:endParaRPr>
+                    </a:p>
+                  </a:txBody>
+                  <a:tcPr marL="71671" marR="23891" marT="23891" marB="23891" anchor="ctr"/>
+                </a:tc>
+                <a:extLst>
+                  <a:ext uri="{0D108BD9-81ED-4DB2-BD59-A6C34878D82A}">
+                    <a16:rowId xmlns:a16="http://schemas.microsoft.com/office/drawing/2014/main" val="3312668296"/>
+                  </a:ext>
+                </a:extLst>
+              </a:tr>
+              <a:tr h="770716">
+                <a:tc>
+                  <a:txBody>
+                    <a:bodyPr/>
+                    <a:lstStyle/>
+                    <a:p>
+                      <a:pPr marL="0" marR="0" algn="ctr">
+                        <a:lnSpc>
+                          <a:spcPct val="107000"/>
+                        </a:lnSpc>
+                        <a:spcBef>
+                          <a:spcPts val="0"/>
+                        </a:spcBef>
+                        <a:spcAft>
+                          <a:spcPts val="750"/>
+                        </a:spcAft>
+                      </a:pPr>
+                      <a:r>
+                        <a:rPr lang="en-MY" sz="1400">
+                          <a:effectLst/>
+                        </a:rPr>
+                        <a:t>Due to inflation the entrepreneur increases prices of his goods &amp; services, due to incorporating inflationary effect into cost of product</a:t>
+                      </a:r>
+                      <a:endParaRPr lang="en-MY" sz="1400">
+                        <a:effectLst/>
+                        <a:latin typeface="Arial" panose="020B0604020202020204" pitchFamily="34" charset="0"/>
+                        <a:ea typeface="Calibri" panose="020F0502020204030204" pitchFamily="34" charset="0"/>
+                        <a:cs typeface="Times New Roman" panose="02020603050405020304" pitchFamily="18" charset="0"/>
+                      </a:endParaRPr>
+                    </a:p>
+                  </a:txBody>
+                  <a:tcPr marL="35836" marR="23891" marT="23891" marB="23891" anchor="ctr"/>
+                </a:tc>
+                <a:tc>
+                  <a:txBody>
+                    <a:bodyPr/>
+                    <a:lstStyle/>
+                    <a:p>
+                      <a:pPr marL="0" marR="0" algn="ctr">
+                        <a:lnSpc>
+                          <a:spcPct val="107000"/>
+                        </a:lnSpc>
+                        <a:spcBef>
+                          <a:spcPts val="0"/>
+                        </a:spcBef>
+                        <a:spcAft>
+                          <a:spcPts val="750"/>
+                        </a:spcAft>
+                      </a:pPr>
+                      <a:r>
+                        <a:rPr lang="en-MY" sz="1400" dirty="0">
+                          <a:effectLst/>
+                        </a:rPr>
+                        <a:t>Due to control over inflation, no extra price is charged by the entrepreneur</a:t>
+                      </a:r>
+                      <a:endParaRPr lang="en-MY" sz="1400" dirty="0">
+                        <a:effectLst/>
+                        <a:latin typeface="Arial" panose="020B0604020202020204" pitchFamily="34" charset="0"/>
+                        <a:ea typeface="Calibri" panose="020F0502020204030204" pitchFamily="34" charset="0"/>
+                        <a:cs typeface="Times New Roman" panose="02020603050405020304" pitchFamily="18" charset="0"/>
+                      </a:endParaRPr>
+                    </a:p>
+                  </a:txBody>
+                  <a:tcPr marL="71671" marR="23891" marT="23891" marB="23891" anchor="ctr"/>
+                </a:tc>
+                <a:extLst>
+                  <a:ext uri="{0D108BD9-81ED-4DB2-BD59-A6C34878D82A}">
+                    <a16:rowId xmlns:a16="http://schemas.microsoft.com/office/drawing/2014/main" val="1280967747"/>
+                  </a:ext>
+                </a:extLst>
+              </a:tr>
+              <a:tr h="1076157">
+                <a:tc>
+                  <a:txBody>
+                    <a:bodyPr/>
+                    <a:lstStyle/>
+                    <a:p>
+                      <a:pPr marL="0" marR="0" algn="ctr">
+                        <a:lnSpc>
+                          <a:spcPct val="107000"/>
+                        </a:lnSpc>
+                        <a:spcBef>
+                          <a:spcPts val="0"/>
+                        </a:spcBef>
+                        <a:spcAft>
+                          <a:spcPts val="750"/>
+                        </a:spcAft>
+                      </a:pPr>
+                      <a:r>
+                        <a:rPr lang="en-MY" sz="1400">
+                          <a:effectLst/>
+                        </a:rPr>
+                        <a:t>Bridge financing and long-term loans lending is not made on the basis of existence of capital goods</a:t>
+                      </a:r>
+                      <a:endParaRPr lang="en-MY" sz="1400">
+                        <a:effectLst/>
+                        <a:latin typeface="Arial" panose="020B0604020202020204" pitchFamily="34" charset="0"/>
+                        <a:ea typeface="Calibri" panose="020F0502020204030204" pitchFamily="34" charset="0"/>
+                        <a:cs typeface="Times New Roman" panose="02020603050405020304" pitchFamily="18" charset="0"/>
+                      </a:endParaRPr>
+                    </a:p>
+                  </a:txBody>
+                  <a:tcPr marL="35836" marR="23891" marT="23891" marB="23891" anchor="ctr"/>
+                </a:tc>
+                <a:tc>
+                  <a:txBody>
+                    <a:bodyPr/>
+                    <a:lstStyle/>
+                    <a:p>
+                      <a:pPr marL="0" marR="0" algn="ctr">
+                        <a:lnSpc>
+                          <a:spcPct val="107000"/>
+                        </a:lnSpc>
+                        <a:spcBef>
+                          <a:spcPts val="0"/>
+                        </a:spcBef>
+                        <a:spcAft>
+                          <a:spcPts val="750"/>
+                        </a:spcAft>
+                      </a:pPr>
+                      <a:r>
+                        <a:rPr lang="en-MY" sz="1400" dirty="0" err="1">
+                          <a:effectLst/>
+                        </a:rPr>
+                        <a:t>Musharakah</a:t>
+                      </a:r>
+                      <a:r>
+                        <a:rPr lang="en-MY" sz="1400" dirty="0">
+                          <a:effectLst/>
+                        </a:rPr>
+                        <a:t> &amp; Diminishing </a:t>
+                      </a:r>
+                      <a:r>
+                        <a:rPr lang="en-MY" sz="1400" dirty="0" err="1">
+                          <a:effectLst/>
+                        </a:rPr>
+                        <a:t>Musharakah</a:t>
+                      </a:r>
+                      <a:r>
+                        <a:rPr lang="en-MY" sz="1400" dirty="0">
+                          <a:effectLst/>
+                        </a:rPr>
+                        <a:t> agreements are made after making sure the existence of capital goods before disbursing funds for a capital project</a:t>
+                      </a:r>
+                      <a:endParaRPr lang="en-MY" sz="1400" dirty="0">
+                        <a:effectLst/>
+                        <a:latin typeface="Arial" panose="020B0604020202020204" pitchFamily="34" charset="0"/>
+                        <a:ea typeface="Calibri" panose="020F0502020204030204" pitchFamily="34" charset="0"/>
+                        <a:cs typeface="Times New Roman" panose="02020603050405020304" pitchFamily="18" charset="0"/>
+                      </a:endParaRPr>
+                    </a:p>
+                  </a:txBody>
+                  <a:tcPr marL="71671" marR="23891" marT="23891" marB="23891" anchor="ctr"/>
+                </a:tc>
+                <a:extLst>
+                  <a:ext uri="{0D108BD9-81ED-4DB2-BD59-A6C34878D82A}">
+                    <a16:rowId xmlns:a16="http://schemas.microsoft.com/office/drawing/2014/main" val="640724805"/>
+                  </a:ext>
+                </a:extLst>
+              </a:tr>
+            </a:tbl>
+          </a:graphicData>
+        </a:graphic>
+      </p:graphicFrame>
     </p:spTree>
     <p:extLst>
       <p:ext uri="{BB962C8B-B14F-4D97-AF65-F5344CB8AC3E}">
-        <p14:creationId xmlns:p14="http://schemas.microsoft.com/office/powerpoint/2010/main" val="342519355"/>
+        <p14:creationId xmlns:p14="http://schemas.microsoft.com/office/powerpoint/2010/main" val="2108155060"/>
       </p:ext>
     </p:extLst>
   </p:cSld>
@@ -4268,10 +5381,10 @@
       </p:grpSpPr>
       <p:pic>
         <p:nvPicPr>
-          <p:cNvPr id="3" name="Picture 2" descr="A screenshot of a cell phone&#10;&#10;Description automatically generated">
-            <a:extLst>
-              <a:ext uri="{FF2B5EF4-FFF2-40B4-BE49-F238E27FC236}">
-                <a16:creationId xmlns:a16="http://schemas.microsoft.com/office/drawing/2014/main" id="{12D79873-94A7-4209-985E-B8A691280C00}"/>
+          <p:cNvPr id="5" name="Picture 4" descr="White and blue silky cloth">
+            <a:extLst>
+              <a:ext uri="{FF2B5EF4-FFF2-40B4-BE49-F238E27FC236}">
+                <a16:creationId xmlns:a16="http://schemas.microsoft.com/office/drawing/2014/main" id="{ABEF1A5A-2F4A-4076-9E4D-6CCAD5BC4764}"/>
               </a:ext>
             </a:extLst>
           </p:cNvPr>
@@ -4280,32 +5393,575 @@
           </p:cNvPicPr>
           <p:nvPr/>
         </p:nvPicPr>
-        <p:blipFill>
-          <a:blip r:embed="rId2">
-            <a:extLst>
-              <a:ext uri="{28A0092B-C50C-407E-A947-70E740481C1C}">
-                <a14:useLocalDpi xmlns:a14="http://schemas.microsoft.com/office/drawing/2010/main" val="0"/>
-              </a:ext>
-            </a:extLst>
-          </a:blip>
-          <a:stretch>
-            <a:fillRect/>
-          </a:stretch>
+        <p:blipFill rotWithShape="1">
+          <a:blip r:embed="rId2"/>
+          <a:srcRect t="12375" b="3038"/>
+          <a:stretch/>
         </p:blipFill>
         <p:spPr>
           <a:xfrm>
-            <a:off x="0" y="0"/>
-            <a:ext cx="12192000" cy="6858000"/>
+            <a:off x="20" y="0"/>
+            <a:ext cx="12191980" cy="6857990"/>
           </a:xfrm>
           <a:prstGeom prst="rect">
             <a:avLst/>
           </a:prstGeom>
         </p:spPr>
       </p:pic>
+      <p:sp>
+        <p:nvSpPr>
+          <p:cNvPr id="2" name="Title 1">
+            <a:extLst>
+              <a:ext uri="{FF2B5EF4-FFF2-40B4-BE49-F238E27FC236}">
+                <a16:creationId xmlns:a16="http://schemas.microsoft.com/office/drawing/2014/main" id="{20299E46-67E0-4D0F-B76D-13624BD03200}"/>
+              </a:ext>
+            </a:extLst>
+          </p:cNvPr>
+          <p:cNvSpPr>
+            <a:spLocks noGrp="1"/>
+          </p:cNvSpPr>
+          <p:nvPr>
+            <p:ph type="title"/>
+          </p:nvPr>
+        </p:nvSpPr>
+        <p:spPr>
+          <a:xfrm>
+            <a:off x="181429" y="0"/>
+            <a:ext cx="3285193" cy="4231208"/>
+          </a:xfrm>
+        </p:spPr>
+        <p:txBody>
+          <a:bodyPr vert="horz" lIns="91440" tIns="45720" rIns="91440" bIns="45720" rtlCol="0" anchor="b">
+            <a:normAutofit/>
+          </a:bodyPr>
+          <a:lstStyle/>
+          <a:p>
+            <a:r>
+              <a:rPr lang="en-MY" b="1" dirty="0">
+                <a:solidFill>
+                  <a:srgbClr val="000000"/>
+                </a:solidFill>
+                <a:effectLst/>
+                <a:latin typeface="inherit"/>
+                <a:ea typeface="Times New Roman" panose="02020603050405020304" pitchFamily="18" charset="0"/>
+                <a:cs typeface="Times New Roman" panose="02020603050405020304" pitchFamily="18" charset="0"/>
+              </a:rPr>
+              <a:t>Major Differences Between Islamic and Conventional Banking</a:t>
+            </a:r>
+            <a:endParaRPr lang="en-US" sz="8800" dirty="0"/>
+          </a:p>
+        </p:txBody>
+      </p:sp>
+      <p:graphicFrame>
+        <p:nvGraphicFramePr>
+          <p:cNvPr id="4" name="Table 3">
+            <a:extLst>
+              <a:ext uri="{FF2B5EF4-FFF2-40B4-BE49-F238E27FC236}">
+                <a16:creationId xmlns:a16="http://schemas.microsoft.com/office/drawing/2014/main" id="{22350F03-2F6C-446C-B72C-2436BBE0CCCF}"/>
+              </a:ext>
+            </a:extLst>
+          </p:cNvPr>
+          <p:cNvGraphicFramePr>
+            <a:graphicFrameLocks noGrp="1"/>
+          </p:cNvGraphicFramePr>
+          <p:nvPr>
+            <p:extLst>
+              <p:ext uri="{D42A27DB-BD31-4B8C-83A1-F6EECF244321}">
+                <p14:modId xmlns:p14="http://schemas.microsoft.com/office/powerpoint/2010/main" val="1289149941"/>
+              </p:ext>
+            </p:extLst>
+          </p:nvPr>
+        </p:nvGraphicFramePr>
+        <p:xfrm>
+          <a:off x="3607396" y="0"/>
+          <a:ext cx="8584604" cy="6858001"/>
+        </p:xfrm>
+        <a:graphic>
+          <a:graphicData uri="http://schemas.openxmlformats.org/drawingml/2006/table">
+            <a:tbl>
+              <a:tblPr firstRow="1" firstCol="1" bandRow="1">
+                <a:tableStyleId>{5C22544A-7EE6-4342-B048-85BDC9FD1C3A}</a:tableStyleId>
+              </a:tblPr>
+              <a:tblGrid>
+                <a:gridCol w="4292586">
+                  <a:extLst>
+                    <a:ext uri="{9D8B030D-6E8A-4147-A177-3AD203B41FA5}">
+                      <a16:colId xmlns:a16="http://schemas.microsoft.com/office/drawing/2014/main" val="1426488281"/>
+                    </a:ext>
+                  </a:extLst>
+                </a:gridCol>
+                <a:gridCol w="4292018">
+                  <a:extLst>
+                    <a:ext uri="{9D8B030D-6E8A-4147-A177-3AD203B41FA5}">
+                      <a16:colId xmlns:a16="http://schemas.microsoft.com/office/drawing/2014/main" val="1339113656"/>
+                    </a:ext>
+                  </a:extLst>
+                </a:gridCol>
+              </a:tblGrid>
+              <a:tr h="648069">
+                <a:tc>
+                  <a:txBody>
+                    <a:bodyPr/>
+                    <a:lstStyle/>
+                    <a:p>
+                      <a:pPr marL="0" marR="0" algn="ctr">
+                        <a:lnSpc>
+                          <a:spcPct val="107000"/>
+                        </a:lnSpc>
+                        <a:spcBef>
+                          <a:spcPts val="0"/>
+                        </a:spcBef>
+                        <a:spcAft>
+                          <a:spcPts val="750"/>
+                        </a:spcAft>
+                      </a:pPr>
+                      <a:r>
+                        <a:rPr lang="en-MY" sz="2000" dirty="0">
+                          <a:solidFill>
+                            <a:schemeClr val="tx1"/>
+                          </a:solidFill>
+                          <a:effectLst/>
+                        </a:rPr>
+                        <a:t>Conventional Banking </a:t>
+                      </a:r>
+                      <a:endParaRPr lang="en-MY" sz="2000" dirty="0">
+                        <a:solidFill>
+                          <a:schemeClr val="tx1"/>
+                        </a:solidFill>
+                        <a:effectLst/>
+                        <a:latin typeface="Arial" panose="020B0604020202020204" pitchFamily="34" charset="0"/>
+                        <a:ea typeface="Calibri" panose="020F0502020204030204" pitchFamily="34" charset="0"/>
+                        <a:cs typeface="Times New Roman" panose="02020603050405020304" pitchFamily="18" charset="0"/>
+                      </a:endParaRPr>
+                    </a:p>
+                  </a:txBody>
+                  <a:tcPr marL="35836" marR="23891" marT="23891" marB="23891" anchor="ctr"/>
+                </a:tc>
+                <a:tc>
+                  <a:txBody>
+                    <a:bodyPr/>
+                    <a:lstStyle/>
+                    <a:p>
+                      <a:pPr marL="0" marR="0" algn="ctr">
+                        <a:lnSpc>
+                          <a:spcPct val="107000"/>
+                        </a:lnSpc>
+                        <a:spcBef>
+                          <a:spcPts val="0"/>
+                        </a:spcBef>
+                        <a:spcAft>
+                          <a:spcPts val="750"/>
+                        </a:spcAft>
+                      </a:pPr>
+                      <a:r>
+                        <a:rPr lang="en-MY" sz="2000" dirty="0">
+                          <a:effectLst/>
+                        </a:rPr>
+                        <a:t> Islamic Banking</a:t>
+                      </a:r>
+                      <a:endParaRPr lang="en-MY" sz="2000" dirty="0">
+                        <a:effectLst/>
+                        <a:latin typeface="Arial" panose="020B0604020202020204" pitchFamily="34" charset="0"/>
+                        <a:ea typeface="Calibri" panose="020F0502020204030204" pitchFamily="34" charset="0"/>
+                        <a:cs typeface="Times New Roman" panose="02020603050405020304" pitchFamily="18" charset="0"/>
+                      </a:endParaRPr>
+                    </a:p>
+                  </a:txBody>
+                  <a:tcPr marL="71671" marR="23891" marT="23891" marB="23891" anchor="ctr"/>
+                </a:tc>
+                <a:extLst>
+                  <a:ext uri="{0D108BD9-81ED-4DB2-BD59-A6C34878D82A}">
+                    <a16:rowId xmlns:a16="http://schemas.microsoft.com/office/drawing/2014/main" val="1547153795"/>
+                  </a:ext>
+                </a:extLst>
+              </a:tr>
+              <a:tr h="1294462">
+                <a:tc>
+                  <a:txBody>
+                    <a:bodyPr/>
+                    <a:lstStyle/>
+                    <a:p>
+                      <a:pPr marL="0" marR="0" algn="ctr">
+                        <a:lnSpc>
+                          <a:spcPct val="107000"/>
+                        </a:lnSpc>
+                        <a:spcBef>
+                          <a:spcPts val="0"/>
+                        </a:spcBef>
+                        <a:spcAft>
+                          <a:spcPts val="750"/>
+                        </a:spcAft>
+                      </a:pPr>
+                      <a:r>
+                        <a:rPr lang="en-MY" sz="1600" dirty="0">
+                          <a:effectLst/>
+                        </a:rPr>
+                        <a:t>Real growth of wealth does not take place, as the money remains in few hands</a:t>
+                      </a:r>
+                      <a:endParaRPr lang="en-MY" sz="1600" dirty="0">
+                        <a:effectLst/>
+                        <a:latin typeface="Arial" panose="020B0604020202020204" pitchFamily="34" charset="0"/>
+                        <a:ea typeface="Calibri" panose="020F0502020204030204" pitchFamily="34" charset="0"/>
+                        <a:cs typeface="Times New Roman" panose="02020603050405020304" pitchFamily="18" charset="0"/>
+                      </a:endParaRPr>
+                    </a:p>
+                  </a:txBody>
+                  <a:tcPr marL="35836" marR="23891" marT="23891" marB="23891" anchor="ctr"/>
+                </a:tc>
+                <a:tc>
+                  <a:txBody>
+                    <a:bodyPr/>
+                    <a:lstStyle/>
+                    <a:p>
+                      <a:pPr marL="0" marR="0" algn="ctr">
+                        <a:lnSpc>
+                          <a:spcPct val="107000"/>
+                        </a:lnSpc>
+                        <a:spcBef>
+                          <a:spcPts val="0"/>
+                        </a:spcBef>
+                        <a:spcAft>
+                          <a:spcPts val="750"/>
+                        </a:spcAft>
+                      </a:pPr>
+                      <a:r>
+                        <a:rPr lang="en-MY" sz="1600" dirty="0">
+                          <a:effectLst/>
+                        </a:rPr>
+                        <a:t>Real growth in the wealth of the people of the society takes place, due to multiplier effect and real wealth goes into the ownership of lot of hands</a:t>
+                      </a:r>
+                      <a:endParaRPr lang="en-MY" sz="1600" dirty="0">
+                        <a:effectLst/>
+                        <a:latin typeface="Arial" panose="020B0604020202020204" pitchFamily="34" charset="0"/>
+                        <a:ea typeface="Calibri" panose="020F0502020204030204" pitchFamily="34" charset="0"/>
+                        <a:cs typeface="Times New Roman" panose="02020603050405020304" pitchFamily="18" charset="0"/>
+                      </a:endParaRPr>
+                    </a:p>
+                  </a:txBody>
+                  <a:tcPr marL="71671" marR="23891" marT="23891" marB="23891" anchor="ctr"/>
+                </a:tc>
+                <a:extLst>
+                  <a:ext uri="{0D108BD9-81ED-4DB2-BD59-A6C34878D82A}">
+                    <a16:rowId xmlns:a16="http://schemas.microsoft.com/office/drawing/2014/main" val="568605628"/>
+                  </a:ext>
+                </a:extLst>
+              </a:tr>
+              <a:tr h="1073526">
+                <a:tc>
+                  <a:txBody>
+                    <a:bodyPr/>
+                    <a:lstStyle/>
+                    <a:p>
+                      <a:pPr marL="0" marR="0" algn="ctr">
+                        <a:lnSpc>
+                          <a:spcPct val="107000"/>
+                        </a:lnSpc>
+                        <a:spcBef>
+                          <a:spcPts val="0"/>
+                        </a:spcBef>
+                        <a:spcAft>
+                          <a:spcPts val="750"/>
+                        </a:spcAft>
+                      </a:pPr>
+                      <a:r>
+                        <a:rPr lang="en-MY" sz="1600">
+                          <a:effectLst/>
+                        </a:rPr>
+                        <a:t>Due to failure of the projects the loan is written off as it becomes non-performing loan</a:t>
+                      </a:r>
+                      <a:endParaRPr lang="en-MY" sz="1600">
+                        <a:effectLst/>
+                        <a:latin typeface="Arial" panose="020B0604020202020204" pitchFamily="34" charset="0"/>
+                        <a:ea typeface="Calibri" panose="020F0502020204030204" pitchFamily="34" charset="0"/>
+                        <a:cs typeface="Times New Roman" panose="02020603050405020304" pitchFamily="18" charset="0"/>
+                      </a:endParaRPr>
+                    </a:p>
+                  </a:txBody>
+                  <a:tcPr marL="35836" marR="23891" marT="23891" marB="23891" anchor="ctr"/>
+                </a:tc>
+                <a:tc>
+                  <a:txBody>
+                    <a:bodyPr/>
+                    <a:lstStyle/>
+                    <a:p>
+                      <a:pPr marL="0" marR="0" algn="ctr">
+                        <a:lnSpc>
+                          <a:spcPct val="107000"/>
+                        </a:lnSpc>
+                        <a:spcBef>
+                          <a:spcPts val="0"/>
+                        </a:spcBef>
+                        <a:spcAft>
+                          <a:spcPts val="750"/>
+                        </a:spcAft>
+                      </a:pPr>
+                      <a:r>
+                        <a:rPr lang="en-MY" sz="1600" dirty="0">
+                          <a:effectLst/>
+                        </a:rPr>
+                        <a:t>Due to failure of the project, the management of the organization can be taken over to hand over to a better management</a:t>
+                      </a:r>
+                      <a:endParaRPr lang="en-MY" sz="1600" dirty="0">
+                        <a:effectLst/>
+                        <a:latin typeface="Arial" panose="020B0604020202020204" pitchFamily="34" charset="0"/>
+                        <a:ea typeface="Calibri" panose="020F0502020204030204" pitchFamily="34" charset="0"/>
+                        <a:cs typeface="Times New Roman" panose="02020603050405020304" pitchFamily="18" charset="0"/>
+                      </a:endParaRPr>
+                    </a:p>
+                  </a:txBody>
+                  <a:tcPr marL="71671" marR="23891" marT="23891" marB="23891" anchor="ctr"/>
+                </a:tc>
+                <a:extLst>
+                  <a:ext uri="{0D108BD9-81ED-4DB2-BD59-A6C34878D82A}">
+                    <a16:rowId xmlns:a16="http://schemas.microsoft.com/office/drawing/2014/main" val="2057417033"/>
+                  </a:ext>
+                </a:extLst>
+              </a:tr>
+              <a:tr h="1694892">
+                <a:tc>
+                  <a:txBody>
+                    <a:bodyPr/>
+                    <a:lstStyle/>
+                    <a:p>
+                      <a:pPr marL="0" marR="0" algn="ctr">
+                        <a:lnSpc>
+                          <a:spcPct val="107000"/>
+                        </a:lnSpc>
+                        <a:spcBef>
+                          <a:spcPts val="0"/>
+                        </a:spcBef>
+                        <a:spcAft>
+                          <a:spcPts val="750"/>
+                        </a:spcAft>
+                      </a:pPr>
+                      <a:r>
+                        <a:rPr lang="en-MY" sz="1600">
+                          <a:effectLst/>
+                        </a:rPr>
+                        <a:t>Debt’s financing gets the advantage of leverage for an enterprise, due to interest expense as deductible items form taxable profit</a:t>
+                      </a:r>
+                      <a:endParaRPr lang="en-MY" sz="1600">
+                        <a:effectLst/>
+                        <a:latin typeface="Arial" panose="020B0604020202020204" pitchFamily="34" charset="0"/>
+                        <a:ea typeface="Calibri" panose="020F0502020204030204" pitchFamily="34" charset="0"/>
+                        <a:cs typeface="Times New Roman" panose="02020603050405020304" pitchFamily="18" charset="0"/>
+                      </a:endParaRPr>
+                    </a:p>
+                  </a:txBody>
+                  <a:tcPr marL="35836" marR="23891" marT="23891" marB="23891" anchor="ctr"/>
+                </a:tc>
+                <a:tc>
+                  <a:txBody>
+                    <a:bodyPr/>
+                    <a:lstStyle/>
+                    <a:p>
+                      <a:pPr marL="0" marR="0" algn="ctr">
+                        <a:lnSpc>
+                          <a:spcPct val="107000"/>
+                        </a:lnSpc>
+                        <a:spcBef>
+                          <a:spcPts val="0"/>
+                        </a:spcBef>
+                        <a:spcAft>
+                          <a:spcPts val="750"/>
+                        </a:spcAft>
+                      </a:pPr>
+                      <a:r>
+                        <a:rPr lang="en-MY" sz="1600" dirty="0">
+                          <a:effectLst/>
+                        </a:rPr>
+                        <a:t>Sharing profits in case of </a:t>
+                      </a:r>
+                      <a:r>
+                        <a:rPr lang="en-MY" sz="1600" dirty="0" err="1">
+                          <a:effectLst/>
+                        </a:rPr>
+                        <a:t>Mudarabah</a:t>
+                      </a:r>
+                      <a:r>
+                        <a:rPr lang="en-MY" sz="1600" dirty="0">
+                          <a:effectLst/>
+                        </a:rPr>
+                        <a:t> and sharing in the organization of business venture in case of </a:t>
+                      </a:r>
+                      <a:r>
+                        <a:rPr lang="en-MY" sz="1600" dirty="0" err="1">
+                          <a:effectLst/>
+                        </a:rPr>
+                        <a:t>Musharakah</a:t>
+                      </a:r>
+                      <a:r>
+                        <a:rPr lang="en-MY" sz="1600" dirty="0">
+                          <a:effectLst/>
+                        </a:rPr>
+                        <a:t>, provides extra tax to federal Government. This leads to minimize the tax burden over salaried persons.</a:t>
+                      </a:r>
+                      <a:endParaRPr lang="en-MY" sz="1600" dirty="0">
+                        <a:effectLst/>
+                        <a:latin typeface="Arial" panose="020B0604020202020204" pitchFamily="34" charset="0"/>
+                        <a:ea typeface="Calibri" panose="020F0502020204030204" pitchFamily="34" charset="0"/>
+                        <a:cs typeface="Times New Roman" panose="02020603050405020304" pitchFamily="18" charset="0"/>
+                      </a:endParaRPr>
+                    </a:p>
+                  </a:txBody>
+                  <a:tcPr marL="71671" marR="23891" marT="23891" marB="23891" anchor="ctr"/>
+                </a:tc>
+                <a:extLst>
+                  <a:ext uri="{0D108BD9-81ED-4DB2-BD59-A6C34878D82A}">
+                    <a16:rowId xmlns:a16="http://schemas.microsoft.com/office/drawing/2014/main" val="3375087402"/>
+                  </a:ext>
+                </a:extLst>
+              </a:tr>
+              <a:tr h="1073526">
+                <a:tc>
+                  <a:txBody>
+                    <a:bodyPr/>
+                    <a:lstStyle/>
+                    <a:p>
+                      <a:pPr marL="0" marR="0" algn="ctr">
+                        <a:lnSpc>
+                          <a:spcPct val="107000"/>
+                        </a:lnSpc>
+                        <a:spcBef>
+                          <a:spcPts val="0"/>
+                        </a:spcBef>
+                        <a:spcAft>
+                          <a:spcPts val="750"/>
+                        </a:spcAft>
+                      </a:pPr>
+                      <a:r>
+                        <a:rPr lang="en-MY" sz="1600">
+                          <a:effectLst/>
+                        </a:rPr>
+                        <a:t>In leasing ownership has been transferred and start and the risk and reward bear by the client.</a:t>
+                      </a:r>
+                      <a:endParaRPr lang="en-MY" sz="1600">
+                        <a:effectLst/>
+                        <a:latin typeface="Arial" panose="020B0604020202020204" pitchFamily="34" charset="0"/>
+                        <a:ea typeface="Calibri" panose="020F0502020204030204" pitchFamily="34" charset="0"/>
+                        <a:cs typeface="Times New Roman" panose="02020603050405020304" pitchFamily="18" charset="0"/>
+                      </a:endParaRPr>
+                    </a:p>
+                  </a:txBody>
+                  <a:tcPr marL="35836" marR="23891" marT="23891" marB="23891" anchor="ctr"/>
+                </a:tc>
+                <a:tc>
+                  <a:txBody>
+                    <a:bodyPr/>
+                    <a:lstStyle/>
+                    <a:p>
+                      <a:pPr marL="0" marR="0" algn="ctr">
+                        <a:lnSpc>
+                          <a:spcPct val="107000"/>
+                        </a:lnSpc>
+                        <a:spcBef>
+                          <a:spcPts val="0"/>
+                        </a:spcBef>
+                        <a:spcAft>
+                          <a:spcPts val="750"/>
+                        </a:spcAft>
+                      </a:pPr>
+                      <a:r>
+                        <a:rPr lang="en-MY" sz="1600" dirty="0">
+                          <a:effectLst/>
+                        </a:rPr>
+                        <a:t>In Islamic banking leasing, ownership remains with bank and risk and reward bear by the bank as owner of asset.</a:t>
+                      </a:r>
+                      <a:endParaRPr lang="en-MY" sz="1600" dirty="0">
+                        <a:effectLst/>
+                        <a:latin typeface="Arial" panose="020B0604020202020204" pitchFamily="34" charset="0"/>
+                        <a:ea typeface="Calibri" panose="020F0502020204030204" pitchFamily="34" charset="0"/>
+                        <a:cs typeface="Times New Roman" panose="02020603050405020304" pitchFamily="18" charset="0"/>
+                      </a:endParaRPr>
+                    </a:p>
+                  </a:txBody>
+                  <a:tcPr marL="71671" marR="23891" marT="23891" marB="23891" anchor="ctr"/>
+                </a:tc>
+                <a:extLst>
+                  <a:ext uri="{0D108BD9-81ED-4DB2-BD59-A6C34878D82A}">
+                    <a16:rowId xmlns:a16="http://schemas.microsoft.com/office/drawing/2014/main" val="1310803533"/>
+                  </a:ext>
+                </a:extLst>
+              </a:tr>
+              <a:tr h="1073526">
+                <a:tc>
+                  <a:txBody>
+                    <a:bodyPr/>
+                    <a:lstStyle/>
+                    <a:p>
+                      <a:pPr marL="0" marR="0" algn="ctr">
+                        <a:lnSpc>
+                          <a:spcPct val="107000"/>
+                        </a:lnSpc>
+                        <a:spcBef>
+                          <a:spcPts val="0"/>
+                        </a:spcBef>
+                        <a:spcAft>
+                          <a:spcPts val="750"/>
+                        </a:spcAft>
+                      </a:pPr>
+                      <a:r>
+                        <a:rPr lang="en-MY" sz="1600" dirty="0">
+                          <a:effectLst/>
+                        </a:rPr>
+                        <a:t>In conventional banking, fixed rate of interest being given to depositors.</a:t>
+                      </a:r>
+                      <a:endParaRPr lang="en-MY" sz="1600" dirty="0">
+                        <a:effectLst/>
+                        <a:latin typeface="Arial" panose="020B0604020202020204" pitchFamily="34" charset="0"/>
+                        <a:ea typeface="Calibri" panose="020F0502020204030204" pitchFamily="34" charset="0"/>
+                        <a:cs typeface="Times New Roman" panose="02020603050405020304" pitchFamily="18" charset="0"/>
+                      </a:endParaRPr>
+                    </a:p>
+                  </a:txBody>
+                  <a:tcPr marL="35836" marR="23891" marT="23891" marB="23891" anchor="ctr"/>
+                </a:tc>
+                <a:tc>
+                  <a:txBody>
+                    <a:bodyPr/>
+                    <a:lstStyle/>
+                    <a:p>
+                      <a:pPr marL="0" marR="0" algn="ctr">
+                        <a:lnSpc>
+                          <a:spcPct val="107000"/>
+                        </a:lnSpc>
+                        <a:spcBef>
+                          <a:spcPts val="0"/>
+                        </a:spcBef>
+                        <a:spcAft>
+                          <a:spcPts val="750"/>
+                        </a:spcAft>
+                      </a:pPr>
+                      <a:r>
+                        <a:rPr lang="en-MY" sz="1600" dirty="0">
+                          <a:effectLst/>
+                        </a:rPr>
+                        <a:t>In Islamic banking, profit are distributed out of profit earning by bank for the month as per decided weightages.</a:t>
+                      </a:r>
+                      <a:endParaRPr lang="en-MY" sz="1600" dirty="0">
+                        <a:effectLst/>
+                        <a:latin typeface="Arial" panose="020B0604020202020204" pitchFamily="34" charset="0"/>
+                        <a:ea typeface="Calibri" panose="020F0502020204030204" pitchFamily="34" charset="0"/>
+                        <a:cs typeface="Times New Roman" panose="02020603050405020304" pitchFamily="18" charset="0"/>
+                      </a:endParaRPr>
+                    </a:p>
+                  </a:txBody>
+                  <a:tcPr marL="71671" marR="23891" marT="23891" marB="23891" anchor="ctr"/>
+                </a:tc>
+                <a:extLst>
+                  <a:ext uri="{0D108BD9-81ED-4DB2-BD59-A6C34878D82A}">
+                    <a16:rowId xmlns:a16="http://schemas.microsoft.com/office/drawing/2014/main" val="3474400544"/>
+                  </a:ext>
+                </a:extLst>
+              </a:tr>
+            </a:tbl>
+          </a:graphicData>
+        </a:graphic>
+      </p:graphicFrame>
     </p:spTree>
     <p:extLst>
       <p:ext uri="{BB962C8B-B14F-4D97-AF65-F5344CB8AC3E}">
-        <p14:creationId xmlns:p14="http://schemas.microsoft.com/office/powerpoint/2010/main" val="2691390656"/>
+        <p14:creationId xmlns:p14="http://schemas.microsoft.com/office/powerpoint/2010/main" val="1337609594"/>
       </p:ext>
     </p:extLst>
   </p:cSld>
@@ -4337,7 +5993,7 @@
           <p:cNvPr id="3" name="Picture 2" descr="A screenshot of a cell phone&#10;&#10;Description automatically generated">
             <a:extLst>
               <a:ext uri="{FF2B5EF4-FFF2-40B4-BE49-F238E27FC236}">
-                <a16:creationId xmlns:a16="http://schemas.microsoft.com/office/drawing/2014/main" id="{8D1603E2-2AFA-421B-95DD-E7D3D9202137}"/>
+                <a16:creationId xmlns:a16="http://schemas.microsoft.com/office/drawing/2014/main" id="{D6B3217E-AB63-4625-A6C1-30E10ED14E66}"/>
               </a:ext>
             </a:extLst>
           </p:cNvPr>
@@ -4371,7 +6027,7 @@
     </p:spTree>
     <p:extLst>
       <p:ext uri="{BB962C8B-B14F-4D97-AF65-F5344CB8AC3E}">
-        <p14:creationId xmlns:p14="http://schemas.microsoft.com/office/powerpoint/2010/main" val="351387960"/>
+        <p14:creationId xmlns:p14="http://schemas.microsoft.com/office/powerpoint/2010/main" val="3548777087"/>
       </p:ext>
     </p:extLst>
   </p:cSld>
@@ -4400,10 +6056,10 @@
       </p:grpSpPr>
       <p:pic>
         <p:nvPicPr>
-          <p:cNvPr id="3" name="Picture 2" descr="A screenshot of a cell phone&#10;&#10;Description automatically generated">
-            <a:extLst>
-              <a:ext uri="{FF2B5EF4-FFF2-40B4-BE49-F238E27FC236}">
-                <a16:creationId xmlns:a16="http://schemas.microsoft.com/office/drawing/2014/main" id="{2DCC94D5-36CA-4D27-A202-B8444C590264}"/>
+          <p:cNvPr id="3" name="Picture 2" descr="A picture containing screenshot&#10;&#10;Description automatically generated">
+            <a:extLst>
+              <a:ext uri="{FF2B5EF4-FFF2-40B4-BE49-F238E27FC236}">
+                <a16:creationId xmlns:a16="http://schemas.microsoft.com/office/drawing/2014/main" id="{773483AD-2B12-4D68-8EA9-90B72A0FFF8A}"/>
               </a:ext>
             </a:extLst>
           </p:cNvPr>
@@ -4437,7 +6093,7 @@
     </p:spTree>
     <p:extLst>
       <p:ext uri="{BB962C8B-B14F-4D97-AF65-F5344CB8AC3E}">
-        <p14:creationId xmlns:p14="http://schemas.microsoft.com/office/powerpoint/2010/main" val="1659820701"/>
+        <p14:creationId xmlns:p14="http://schemas.microsoft.com/office/powerpoint/2010/main" val="342519355"/>
       </p:ext>
     </p:extLst>
   </p:cSld>
@@ -4469,7 +6125,7 @@
           <p:cNvPr id="3" name="Picture 2" descr="A screenshot of a cell phone&#10;&#10;Description automatically generated">
             <a:extLst>
               <a:ext uri="{FF2B5EF4-FFF2-40B4-BE49-F238E27FC236}">
-                <a16:creationId xmlns:a16="http://schemas.microsoft.com/office/drawing/2014/main" id="{D32350B3-2B49-402D-8FC6-54A6822884E5}"/>
+                <a16:creationId xmlns:a16="http://schemas.microsoft.com/office/drawing/2014/main" id="{12D79873-94A7-4209-985E-B8A691280C00}"/>
               </a:ext>
             </a:extLst>
           </p:cNvPr>
@@ -4503,7 +6159,7 @@
     </p:spTree>
     <p:extLst>
       <p:ext uri="{BB962C8B-B14F-4D97-AF65-F5344CB8AC3E}">
-        <p14:creationId xmlns:p14="http://schemas.microsoft.com/office/powerpoint/2010/main" val="1362157371"/>
+        <p14:creationId xmlns:p14="http://schemas.microsoft.com/office/powerpoint/2010/main" val="2691390656"/>
       </p:ext>
     </p:extLst>
   </p:cSld>
